--- a/Admin/Escape Results.pptx
+++ b/Admin/Escape Results.pptx
@@ -137,7 +137,7 @@
 <file path=ppt/revisionInfo.xml><?xml version="1.0" encoding="utf-8"?>
 <p1510:revInfo xmlns:a="http://schemas.openxmlformats.org/drawingml/2006/main" xmlns:r="http://schemas.openxmlformats.org/officeDocument/2006/relationships" xmlns:p1510="http://schemas.microsoft.com/office/powerpoint/2015/10/main">
   <p1510:revLst>
-    <p1510:client id="{F817BABB-CBA7-448D-9D58-A32A2DB79D75}" v="115" dt="2020-10-05T09:13:10.808"/>
+    <p1510:client id="{F817BABB-CBA7-448D-9D58-A32A2DB79D75}" v="117" dt="2020-10-05T16:23:27.035"/>
   </p1510:revLst>
 </p1510:revInfo>
 </file>
@@ -147,7 +147,7 @@
   <pc:docChgLst>
     <pc:chgData name="Sandeep Prakash" userId="5b362298-5542-405f-bec6-c788e8033232" providerId="ADAL" clId="{F817BABB-CBA7-448D-9D58-A32A2DB79D75}"/>
     <pc:docChg chg="undo custSel addSld delSld modSld sldOrd modMainMaster">
-      <pc:chgData name="Sandeep Prakash" userId="5b362298-5542-405f-bec6-c788e8033232" providerId="ADAL" clId="{F817BABB-CBA7-448D-9D58-A32A2DB79D75}" dt="2020-10-05T09:13:39.565" v="2147" actId="14100"/>
+      <pc:chgData name="Sandeep Prakash" userId="5b362298-5542-405f-bec6-c788e8033232" providerId="ADAL" clId="{F817BABB-CBA7-448D-9D58-A32A2DB79D75}" dt="2020-10-05T16:23:27.035" v="2169" actId="20577"/>
       <pc:docMkLst>
         <pc:docMk/>
       </pc:docMkLst>
@@ -166,7 +166,7 @@
         </pc:sldMkLst>
       </pc:sldChg>
       <pc:sldChg chg="addSp modSp add">
-        <pc:chgData name="Sandeep Prakash" userId="5b362298-5542-405f-bec6-c788e8033232" providerId="ADAL" clId="{F817BABB-CBA7-448D-9D58-A32A2DB79D75}" dt="2020-10-05T07:43:25.689" v="2082" actId="20577"/>
+        <pc:chgData name="Sandeep Prakash" userId="5b362298-5542-405f-bec6-c788e8033232" providerId="ADAL" clId="{F817BABB-CBA7-448D-9D58-A32A2DB79D75}" dt="2020-10-05T15:25:21.780" v="2160" actId="20577"/>
         <pc:sldMkLst>
           <pc:docMk/>
           <pc:sldMk cId="2482910292" sldId="259"/>
@@ -180,7 +180,7 @@
           </ac:spMkLst>
         </pc:spChg>
         <pc:spChg chg="mod">
-          <ac:chgData name="Sandeep Prakash" userId="5b362298-5542-405f-bec6-c788e8033232" providerId="ADAL" clId="{F817BABB-CBA7-448D-9D58-A32A2DB79D75}" dt="2020-10-05T07:43:25.689" v="2082" actId="20577"/>
+          <ac:chgData name="Sandeep Prakash" userId="5b362298-5542-405f-bec6-c788e8033232" providerId="ADAL" clId="{F817BABB-CBA7-448D-9D58-A32A2DB79D75}" dt="2020-10-05T15:25:21.780" v="2160" actId="20577"/>
           <ac:spMkLst>
             <pc:docMk/>
             <pc:sldMk cId="2482910292" sldId="259"/>
@@ -197,7 +197,7 @@
         </pc:picChg>
       </pc:sldChg>
       <pc:sldChg chg="addSp delSp modSp add modAnim">
-        <pc:chgData name="Sandeep Prakash" userId="5b362298-5542-405f-bec6-c788e8033232" providerId="ADAL" clId="{F817BABB-CBA7-448D-9D58-A32A2DB79D75}" dt="2020-10-04T17:17:18.080" v="1212" actId="20577"/>
+        <pc:chgData name="Sandeep Prakash" userId="5b362298-5542-405f-bec6-c788e8033232" providerId="ADAL" clId="{F817BABB-CBA7-448D-9D58-A32A2DB79D75}" dt="2020-10-05T15:25:44.615" v="2161" actId="20577"/>
         <pc:sldMkLst>
           <pc:docMk/>
           <pc:sldMk cId="764325267" sldId="260"/>
@@ -219,7 +219,7 @@
           </ac:spMkLst>
         </pc:spChg>
         <pc:spChg chg="add mod">
-          <ac:chgData name="Sandeep Prakash" userId="5b362298-5542-405f-bec6-c788e8033232" providerId="ADAL" clId="{F817BABB-CBA7-448D-9D58-A32A2DB79D75}" dt="2020-10-04T17:17:18.080" v="1212" actId="20577"/>
+          <ac:chgData name="Sandeep Prakash" userId="5b362298-5542-405f-bec6-c788e8033232" providerId="ADAL" clId="{F817BABB-CBA7-448D-9D58-A32A2DB79D75}" dt="2020-10-05T15:25:44.615" v="2161" actId="20577"/>
           <ac:spMkLst>
             <pc:docMk/>
             <pc:sldMk cId="764325267" sldId="260"/>
@@ -308,7 +308,7 @@
         </pc:cxnChg>
       </pc:sldChg>
       <pc:sldChg chg="addSp delSp modSp add">
-        <pc:chgData name="Sandeep Prakash" userId="5b362298-5542-405f-bec6-c788e8033232" providerId="ADAL" clId="{F817BABB-CBA7-448D-9D58-A32A2DB79D75}" dt="2020-10-05T09:13:39.565" v="2147" actId="14100"/>
+        <pc:chgData name="Sandeep Prakash" userId="5b362298-5542-405f-bec6-c788e8033232" providerId="ADAL" clId="{F817BABB-CBA7-448D-9D58-A32A2DB79D75}" dt="2020-10-05T16:23:27.035" v="2169" actId="20577"/>
         <pc:sldMkLst>
           <pc:docMk/>
           <pc:sldMk cId="3560211726" sldId="261"/>
@@ -330,7 +330,7 @@
           </ac:spMkLst>
         </pc:spChg>
         <pc:spChg chg="add mod">
-          <ac:chgData name="Sandeep Prakash" userId="5b362298-5542-405f-bec6-c788e8033232" providerId="ADAL" clId="{F817BABB-CBA7-448D-9D58-A32A2DB79D75}" dt="2020-10-05T07:47:56.533" v="2135" actId="14100"/>
+          <ac:chgData name="Sandeep Prakash" userId="5b362298-5542-405f-bec6-c788e8033232" providerId="ADAL" clId="{F817BABB-CBA7-448D-9D58-A32A2DB79D75}" dt="2020-10-05T16:23:27.035" v="2169" actId="20577"/>
           <ac:spMkLst>
             <pc:docMk/>
             <pc:sldMk cId="3560211726" sldId="261"/>
@@ -954,7 +954,7 @@
           <a:lstStyle/>
           <a:p>
             <a:r>
-              <a:rPr lang="nb-NO" dirty="0"/>
+              <a:rPr lang="nb-NO"/>
               <a:t>Klikk for å redigere tittelstil</a:t>
             </a:r>
           </a:p>
@@ -1072,7 +1072,7 @@
           </a:lstStyle>
           <a:p>
             <a:r>
-              <a:rPr lang="nb-NO" dirty="0"/>
+              <a:rPr lang="nb-NO"/>
               <a:t>Klikk for å redigere undertittelstil i malen</a:t>
             </a:r>
           </a:p>
@@ -1451,7 +1451,7 @@
               <a:pPr algn="ctr"/>
               <a:t>‹#›</a:t>
             </a:fld>
-            <a:endParaRPr lang="nb-NO" b="1" i="0" dirty="0">
+            <a:endParaRPr lang="nb-NO" b="1" i="0">
               <a:solidFill>
                 <a:schemeClr val="bg1"/>
               </a:solidFill>
@@ -1497,7 +1497,7 @@
           </a:lstStyle>
           <a:p>
             <a:r>
-              <a:rPr lang="nb-NO" dirty="0"/>
+              <a:rPr lang="nb-NO"/>
               <a:t>Klikk for å redigere tittelstil</a:t>
             </a:r>
           </a:p>
@@ -1552,35 +1552,35 @@
           <a:p>
             <a:pPr lvl="0"/>
             <a:r>
-              <a:rPr lang="nb-NO" dirty="0"/>
+              <a:rPr lang="nb-NO"/>
               <a:t>Klikk for å redigere tekststiler i malen</a:t>
             </a:r>
           </a:p>
           <a:p>
             <a:pPr lvl="1"/>
             <a:r>
-              <a:rPr lang="nb-NO" dirty="0"/>
+              <a:rPr lang="nb-NO"/>
               <a:t>Andre nivå</a:t>
             </a:r>
           </a:p>
           <a:p>
             <a:pPr lvl="2"/>
             <a:r>
-              <a:rPr lang="nb-NO" dirty="0"/>
+              <a:rPr lang="nb-NO"/>
               <a:t>Tredje nivå</a:t>
             </a:r>
           </a:p>
           <a:p>
             <a:pPr lvl="3"/>
             <a:r>
-              <a:rPr lang="nb-NO" dirty="0"/>
+              <a:rPr lang="nb-NO"/>
               <a:t>Fjerde nivå</a:t>
             </a:r>
           </a:p>
           <a:p>
             <a:pPr lvl="4"/>
             <a:r>
-              <a:rPr lang="nb-NO" dirty="0"/>
+              <a:rPr lang="nb-NO"/>
               <a:t>Femte nivå</a:t>
             </a:r>
           </a:p>
@@ -1868,35 +1868,35 @@
           <a:p>
             <a:pPr lvl="0"/>
             <a:r>
-              <a:rPr lang="nb-NO" dirty="0"/>
+              <a:rPr lang="nb-NO"/>
               <a:t>Klikk for å redigere tekststiler i malen</a:t>
             </a:r>
           </a:p>
           <a:p>
             <a:pPr lvl="1"/>
             <a:r>
-              <a:rPr lang="nb-NO" dirty="0"/>
+              <a:rPr lang="nb-NO"/>
               <a:t>Andre nivå</a:t>
             </a:r>
           </a:p>
           <a:p>
             <a:pPr lvl="2"/>
             <a:r>
-              <a:rPr lang="nb-NO" dirty="0"/>
+              <a:rPr lang="nb-NO"/>
               <a:t>Tredje nivå</a:t>
             </a:r>
           </a:p>
           <a:p>
             <a:pPr lvl="3"/>
             <a:r>
-              <a:rPr lang="nb-NO" dirty="0"/>
+              <a:rPr lang="nb-NO"/>
               <a:t>Fjerde nivå</a:t>
             </a:r>
           </a:p>
           <a:p>
             <a:pPr lvl="4"/>
             <a:r>
-              <a:rPr lang="nb-NO" dirty="0"/>
+              <a:rPr lang="nb-NO"/>
               <a:t>Femte nivå</a:t>
             </a:r>
           </a:p>
@@ -2208,7 +2208,7 @@
           <a:p>
             <a:pPr lvl="0"/>
             <a:r>
-              <a:rPr lang="nb-NO" dirty="0"/>
+              <a:rPr lang="nb-NO"/>
               <a:t>Klikk for å redigere</a:t>
             </a:r>
           </a:p>
@@ -2369,7 +2369,7 @@
           <a:p>
             <a:pPr lvl="0"/>
             <a:r>
-              <a:rPr lang="nb-NO" dirty="0"/>
+              <a:rPr lang="nb-NO"/>
               <a:t>Klikk for å redigere</a:t>
             </a:r>
           </a:p>
@@ -2915,7 +2915,7 @@
           <a:lstStyle/>
           <a:p>
             <a:r>
-              <a:rPr lang="nb-NO" dirty="0"/>
+              <a:rPr lang="nb-NO"/>
               <a:t>Klikk for å redigere tittelstil</a:t>
             </a:r>
           </a:p>
@@ -2948,35 +2948,35 @@
           <a:p>
             <a:pPr lvl="0"/>
             <a:r>
-              <a:rPr lang="nb-NO" dirty="0"/>
+              <a:rPr lang="nb-NO"/>
               <a:t>Klikk for å redigere tekststiler i malen</a:t>
             </a:r>
           </a:p>
           <a:p>
             <a:pPr lvl="1"/>
             <a:r>
-              <a:rPr lang="nb-NO" dirty="0"/>
+              <a:rPr lang="nb-NO"/>
               <a:t>Andre nivå</a:t>
             </a:r>
           </a:p>
           <a:p>
             <a:pPr lvl="2"/>
             <a:r>
-              <a:rPr lang="nb-NO" dirty="0"/>
+              <a:rPr lang="nb-NO"/>
               <a:t>Tredje nivå</a:t>
             </a:r>
           </a:p>
           <a:p>
             <a:pPr lvl="3"/>
             <a:r>
-              <a:rPr lang="nb-NO" dirty="0"/>
+              <a:rPr lang="nb-NO"/>
               <a:t>Fjerde nivå</a:t>
             </a:r>
           </a:p>
           <a:p>
             <a:pPr lvl="4"/>
             <a:r>
-              <a:rPr lang="nb-NO" dirty="0"/>
+              <a:rPr lang="nb-NO"/>
               <a:t>Femte nivå</a:t>
             </a:r>
           </a:p>
@@ -3324,11 +3324,11 @@
           <a:lstStyle/>
           <a:p>
             <a:r>
-              <a:rPr lang="nb-NO" dirty="0" err="1"/>
+              <a:rPr lang="nb-NO" err="1"/>
               <a:t>Opening</a:t>
             </a:r>
             <a:r>
-              <a:rPr lang="nb-NO" dirty="0"/>
+              <a:rPr lang="nb-NO"/>
               <a:t> slide</a:t>
             </a:r>
           </a:p>
@@ -3357,27 +3357,27 @@
           <a:lstStyle/>
           <a:p>
             <a:r>
-              <a:rPr lang="nb-NO" dirty="0" err="1"/>
+              <a:rPr lang="nb-NO" err="1"/>
               <a:t>Subtitle</a:t>
             </a:r>
             <a:r>
-              <a:rPr lang="nb-NO" dirty="0"/>
+              <a:rPr lang="nb-NO"/>
               <a:t> or </a:t>
             </a:r>
             <a:r>
-              <a:rPr lang="nb-NO" dirty="0" err="1"/>
+              <a:rPr lang="nb-NO" err="1"/>
               <a:t>name</a:t>
             </a:r>
             <a:r>
-              <a:rPr lang="nb-NO" dirty="0"/>
+              <a:rPr lang="nb-NO"/>
               <a:t>/date/</a:t>
             </a:r>
             <a:r>
-              <a:rPr lang="nb-NO" dirty="0" err="1"/>
+              <a:rPr lang="nb-NO" err="1"/>
               <a:t>year</a:t>
             </a:r>
             <a:r>
-              <a:rPr lang="nb-NO" dirty="0"/>
+              <a:rPr lang="nb-NO"/>
               <a:t> </a:t>
             </a:r>
           </a:p>
@@ -3412,7 +3412,7 @@
           <a:lstStyle/>
           <a:p>
             <a:r>
-              <a:rPr lang="nb-NO" sz="1500" dirty="0">
+              <a:rPr lang="nb-NO" sz="1500">
                 <a:solidFill>
                   <a:srgbClr val="0D4788"/>
                 </a:solidFill>
@@ -3420,7 +3420,7 @@
               <a:t>Norwegian </a:t>
             </a:r>
             <a:r>
-              <a:rPr lang="nb-NO" sz="1500" dirty="0" err="1">
+              <a:rPr lang="nb-NO" sz="1500" err="1">
                 <a:solidFill>
                   <a:srgbClr val="0D4788"/>
                 </a:solidFill>
@@ -3428,7 +3428,7 @@
               <a:t>University</a:t>
             </a:r>
             <a:r>
-              <a:rPr lang="nb-NO" sz="1500" dirty="0">
+              <a:rPr lang="nb-NO" sz="1500">
                 <a:solidFill>
                   <a:srgbClr val="0D4788"/>
                 </a:solidFill>
@@ -3436,7 +3436,7 @@
               <a:t> </a:t>
             </a:r>
             <a:r>
-              <a:rPr lang="nb-NO" sz="1500" dirty="0" err="1">
+              <a:rPr lang="nb-NO" sz="1500" err="1">
                 <a:solidFill>
                   <a:srgbClr val="0D4788"/>
                 </a:solidFill>
@@ -3444,7 +3444,7 @@
               <a:t>of</a:t>
             </a:r>
             <a:r>
-              <a:rPr lang="nb-NO" sz="1500" dirty="0">
+              <a:rPr lang="nb-NO" sz="1500">
                 <a:solidFill>
                   <a:srgbClr val="0D4788"/>
                 </a:solidFill>
@@ -3506,15 +3506,15 @@
           <a:lstStyle/>
           <a:p>
             <a:r>
-              <a:rPr lang="en-US" dirty="0"/>
+              <a:rPr lang="en-US"/>
               <a:t>Varying rho (</a:t>
             </a:r>
             <a:r>
-              <a:rPr lang="en-US" sz="1600" dirty="0"/>
+              <a:rPr lang="en-US" sz="1600"/>
               <a:t>1e-1 to +1</a:t>
             </a:r>
             <a:r>
-              <a:rPr lang="en-US" dirty="0"/>
+              <a:rPr lang="en-US"/>
               <a:t>)</a:t>
             </a:r>
           </a:p>
@@ -3547,7 +3547,7 @@
           <a:lstStyle/>
           <a:p>
             <a:r>
-              <a:rPr lang="en-US" dirty="0"/>
+              <a:rPr lang="en-US"/>
               <a:t>100 iterations</a:t>
             </a:r>
           </a:p>
@@ -3785,15 +3785,15 @@
           <a:lstStyle/>
           <a:p>
             <a:r>
-              <a:rPr lang="en-US" dirty="0"/>
+              <a:rPr lang="en-US"/>
               <a:t>Too low rho (</a:t>
             </a:r>
             <a:r>
-              <a:rPr lang="en-US" sz="1600" dirty="0"/>
+              <a:rPr lang="en-US" sz="1600"/>
               <a:t>rho = 0.01</a:t>
             </a:r>
             <a:r>
-              <a:rPr lang="en-US" dirty="0"/>
+              <a:rPr lang="en-US"/>
               <a:t>)</a:t>
             </a:r>
           </a:p>
@@ -3821,7 +3821,7 @@
           <a:lstStyle/>
           <a:p>
             <a:r>
-              <a:rPr lang="en-US" dirty="0"/>
+              <a:rPr lang="en-US"/>
               <a:t>Not converging even after 1000 iterations </a:t>
             </a:r>
           </a:p>
@@ -4203,7 +4203,7 @@
           <a:lstStyle/>
           <a:p>
             <a:r>
-              <a:rPr lang="en-US" dirty="0"/>
+              <a:rPr lang="en-US"/>
               <a:t>ADMM – Quick Theory</a:t>
             </a:r>
           </a:p>
@@ -4230,7 +4230,7 @@
           <a:bodyPr/>
           <a:lstStyle/>
           <a:p>
-            <a:endParaRPr lang="en-US" dirty="0"/>
+            <a:endParaRPr lang="en-US"/>
           </a:p>
         </p:txBody>
       </p:sp>
@@ -4291,7 +4291,7 @@
           <a:lstStyle/>
           <a:p>
             <a:r>
-              <a:rPr lang="en-US" dirty="0"/>
+              <a:rPr lang="en-US"/>
               <a:t>ADMM for consensus</a:t>
             </a:r>
           </a:p>
@@ -4319,55 +4319,55 @@
           <a:lstStyle/>
           <a:p>
             <a:r>
-              <a:rPr lang="en-US" dirty="0"/>
+              <a:rPr lang="en-US"/>
               <a:t>ADMM for consensus problems </a:t>
             </a:r>
             <a:r>
-              <a:rPr lang="en-US" sz="1200" dirty="0"/>
+              <a:rPr lang="en-US" sz="1200"/>
               <a:t>(Ch 7, Boyd 2010)</a:t>
             </a:r>
           </a:p>
           <a:p>
-            <a:endParaRPr lang="en-US" sz="1200" dirty="0"/>
-          </a:p>
-          <a:p>
-            <a:endParaRPr lang="en-US" sz="1200" dirty="0"/>
-          </a:p>
-          <a:p>
-            <a:endParaRPr lang="en-US" sz="1200" dirty="0"/>
-          </a:p>
-          <a:p>
-            <a:endParaRPr lang="en-US" sz="1200" dirty="0"/>
+            <a:endParaRPr lang="en-US" sz="1200"/>
+          </a:p>
+          <a:p>
+            <a:endParaRPr lang="en-US" sz="1200"/>
+          </a:p>
+          <a:p>
+            <a:endParaRPr lang="en-US" sz="1200"/>
+          </a:p>
+          <a:p>
+            <a:endParaRPr lang="en-US" sz="1200"/>
           </a:p>
           <a:p>
             <a:pPr marL="0" indent="0">
               <a:buNone/>
             </a:pPr>
-            <a:endParaRPr lang="en-US" sz="1200" dirty="0"/>
+            <a:endParaRPr lang="en-US" sz="1200"/>
           </a:p>
           <a:p>
             <a:pPr marL="0" indent="0">
               <a:buNone/>
             </a:pPr>
-            <a:endParaRPr lang="en-US" sz="1200" dirty="0"/>
+            <a:endParaRPr lang="en-US" sz="1200"/>
           </a:p>
           <a:p>
             <a:pPr marL="0" indent="0">
               <a:buNone/>
             </a:pPr>
-            <a:endParaRPr lang="en-US" sz="1200" dirty="0"/>
+            <a:endParaRPr lang="en-US" sz="1200"/>
           </a:p>
           <a:p>
             <a:pPr marL="0" indent="0">
               <a:buNone/>
             </a:pPr>
-            <a:endParaRPr lang="en-US" sz="1200" dirty="0"/>
+            <a:endParaRPr lang="en-US" sz="1200"/>
           </a:p>
           <a:p>
             <a:pPr marL="0" indent="0">
               <a:buNone/>
             </a:pPr>
-            <a:endParaRPr lang="en-US" sz="1200" dirty="0"/>
+            <a:endParaRPr lang="en-US" sz="1200"/>
           </a:p>
         </p:txBody>
       </p:sp>
@@ -4434,12 +4434,12 @@
           <a:lstStyle/>
           <a:p>
             <a:r>
-              <a:rPr lang="en-US" sz="700" dirty="0"/>
+              <a:rPr lang="en-US" sz="700"/>
               <a:t>(Boyd 2010) - Distributed Optimization and statistical learning via the Alternating Direction Method of Multipliers, </a:t>
             </a:r>
           </a:p>
           <a:p>
-            <a:endParaRPr lang="en-US" sz="900" dirty="0"/>
+            <a:endParaRPr lang="en-US" sz="900"/>
           </a:p>
         </p:txBody>
       </p:sp>
@@ -4495,7 +4495,7 @@
           <a:lstStyle/>
           <a:p>
             <a:r>
-              <a:rPr lang="en-US" dirty="0"/>
+              <a:rPr lang="en-US"/>
               <a:t>Decomposing a two-stage NLP – previous work</a:t>
             </a:r>
           </a:p>
@@ -4522,7 +4522,7 @@
           <a:bodyPr/>
           <a:lstStyle/>
           <a:p>
-            <a:endParaRPr lang="en-US" dirty="0"/>
+            <a:endParaRPr lang="en-US"/>
           </a:p>
         </p:txBody>
       </p:sp>
@@ -4578,7 +4578,7 @@
           <a:lstStyle/>
           <a:p>
             <a:r>
-              <a:rPr lang="en-US" dirty="0"/>
+              <a:rPr lang="en-US"/>
               <a:t>Decomposing in a general fashion using ADMM</a:t>
             </a:r>
           </a:p>
@@ -4700,7 +4700,7 @@
           <a:lstStyle/>
           <a:p>
             <a:r>
-              <a:rPr lang="en-US" sz="2400" dirty="0"/>
+              <a:rPr lang="en-US" sz="2400"/>
               <a:t>A simple mixing tank model for TES</a:t>
             </a:r>
           </a:p>
@@ -4736,7 +4736,7 @@
               <a:buNone/>
             </a:pPr>
             <a:r>
-              <a:rPr lang="en-US" sz="1600" dirty="0"/>
+              <a:rPr lang="en-US" sz="1600"/>
               <a:t>Has a trivial solution for optimal operation</a:t>
             </a:r>
           </a:p>
@@ -4744,30 +4744,30 @@
             <a:pPr marL="0" indent="0">
               <a:buNone/>
             </a:pPr>
-            <a:endParaRPr lang="en-US" sz="1600" dirty="0"/>
+            <a:endParaRPr lang="en-US" sz="1600"/>
           </a:p>
           <a:p>
             <a:pPr marL="0" indent="0">
               <a:buNone/>
             </a:pPr>
-            <a:endParaRPr lang="en-US" sz="1600" dirty="0"/>
+            <a:endParaRPr lang="en-US" sz="1600"/>
           </a:p>
           <a:p>
             <a:pPr marL="0" indent="0">
               <a:buNone/>
             </a:pPr>
             <a:r>
-              <a:rPr lang="en-US" sz="1600" dirty="0"/>
+              <a:rPr lang="en-US" sz="1600"/>
               <a:t>Design Decision</a:t>
             </a:r>
           </a:p>
           <a:p>
             <a:r>
-              <a:rPr lang="en-US" sz="1600" dirty="0"/>
+              <a:rPr lang="en-US" sz="1600"/>
               <a:t>Volume of the Tank (</a:t>
             </a:r>
             <a:r>
-              <a:rPr lang="en-US" sz="1600" i="1" dirty="0">
+              <a:rPr lang="en-US" sz="1600" i="1">
                 <a:solidFill>
                   <a:srgbClr val="00B050"/>
                 </a:solidFill>
@@ -4775,7 +4775,7 @@
               <a:t>V</a:t>
             </a:r>
             <a:r>
-              <a:rPr lang="en-US" sz="1600" i="1" baseline="30000" dirty="0">
+              <a:rPr lang="en-US" sz="1600" i="1" baseline="30000">
                 <a:solidFill>
                   <a:srgbClr val="00B050"/>
                 </a:solidFill>
@@ -4783,17 +4783,17 @@
               <a:t>tes</a:t>
             </a:r>
             <a:r>
-              <a:rPr lang="en-US" sz="1600" dirty="0"/>
+              <a:rPr lang="en-US" sz="1600"/>
               <a:t>)</a:t>
             </a:r>
           </a:p>
           <a:p>
             <a:r>
-              <a:rPr lang="en-US" sz="1600" dirty="0"/>
+              <a:rPr lang="en-US" sz="1600"/>
               <a:t>Area of the Heat exchanger (</a:t>
             </a:r>
             <a:r>
-              <a:rPr lang="en-US" sz="1600" i="1" dirty="0">
+              <a:rPr lang="en-US" sz="1600" i="1">
                 <a:solidFill>
                   <a:srgbClr val="00B050"/>
                 </a:solidFill>
@@ -4801,7 +4801,7 @@
               <a:t>A</a:t>
             </a:r>
             <a:r>
-              <a:rPr lang="en-US" sz="1600" i="1" baseline="30000" dirty="0">
+              <a:rPr lang="en-US" sz="1600" i="1" baseline="30000">
                 <a:solidFill>
                   <a:srgbClr val="00B050"/>
                 </a:solidFill>
@@ -4809,7 +4809,7 @@
               <a:t>whb</a:t>
             </a:r>
             <a:r>
-              <a:rPr lang="en-US" sz="1600" dirty="0"/>
+              <a:rPr lang="en-US" sz="1600"/>
               <a:t>)</a:t>
             </a:r>
           </a:p>
@@ -4817,34 +4817,34 @@
             <a:pPr marL="0" indent="0">
               <a:buNone/>
             </a:pPr>
-            <a:endParaRPr lang="en-US" sz="1600" dirty="0"/>
+            <a:endParaRPr lang="en-US" sz="1600"/>
           </a:p>
           <a:p>
             <a:pPr marL="0" indent="0">
               <a:buNone/>
             </a:pPr>
             <a:r>
-              <a:rPr lang="en-US" sz="1600" dirty="0"/>
+              <a:rPr lang="en-US" sz="1600"/>
               <a:t>Operations </a:t>
             </a:r>
             <a:r>
-              <a:rPr lang="en-US" sz="1600" dirty="0" err="1"/>
+              <a:rPr lang="en-US" sz="1600" err="1"/>
               <a:t>d.o.f</a:t>
             </a:r>
             <a:r>
-              <a:rPr lang="en-US" sz="1600" dirty="0"/>
+              <a:rPr lang="en-US" sz="1600"/>
               <a:t> – (</a:t>
             </a:r>
             <a:r>
-              <a:rPr lang="en-US" sz="1200" i="1" dirty="0">
+              <a:rPr lang="en-US" sz="1200" i="1">
                 <a:solidFill>
                   <a:srgbClr val="FF0000"/>
                 </a:solidFill>
               </a:rPr>
-              <a:t>in red text</a:t>
-            </a:r>
-            <a:r>
-              <a:rPr lang="en-US" sz="1600" dirty="0"/>
+              <a:t>red in fig</a:t>
+            </a:r>
+            <a:r>
+              <a:rPr lang="en-US" sz="1600"/>
               <a:t>) </a:t>
             </a:r>
           </a:p>
@@ -4852,48 +4852,48 @@
             <a:pPr marL="0" indent="0">
               <a:buNone/>
             </a:pPr>
-            <a:endParaRPr lang="en-US" sz="1600" dirty="0"/>
+            <a:endParaRPr lang="en-US" sz="1600"/>
           </a:p>
           <a:p>
             <a:pPr marL="0" indent="0">
               <a:buNone/>
             </a:pPr>
             <a:r>
-              <a:rPr lang="en-US" sz="1600" dirty="0"/>
+              <a:rPr lang="en-US" sz="1600"/>
               <a:t>Differential states</a:t>
             </a:r>
           </a:p>
           <a:p>
             <a:r>
-              <a:rPr lang="en-US" sz="1600" i="1" dirty="0"/>
+              <a:rPr lang="en-US" sz="1600" i="1"/>
               <a:t>T</a:t>
             </a:r>
             <a:r>
-              <a:rPr lang="en-US" sz="1600" i="1" baseline="30000" dirty="0"/>
+              <a:rPr lang="en-US" sz="1600" i="1" baseline="30000"/>
               <a:t>tes</a:t>
             </a:r>
           </a:p>
           <a:p>
             <a:r>
-              <a:rPr lang="en-US" sz="1600" i="1" dirty="0"/>
+              <a:rPr lang="en-US" sz="1600" i="1"/>
               <a:t>T</a:t>
             </a:r>
             <a:r>
-              <a:rPr lang="en-US" sz="1600" i="1" baseline="30000" dirty="0"/>
+              <a:rPr lang="en-US" sz="1600" i="1" baseline="30000"/>
               <a:t>phb</a:t>
             </a:r>
           </a:p>
           <a:p>
             <a:r>
-              <a:rPr lang="en-US" sz="1600" i="1" dirty="0"/>
+              <a:rPr lang="en-US" sz="1600" i="1"/>
               <a:t>T</a:t>
             </a:r>
             <a:r>
-              <a:rPr lang="en-US" sz="1600" i="1" baseline="30000" dirty="0"/>
+              <a:rPr lang="en-US" sz="1600" i="1" baseline="30000"/>
               <a:t>whb</a:t>
             </a:r>
             <a:r>
-              <a:rPr lang="en-US" sz="1600" baseline="-25000" dirty="0"/>
+              <a:rPr lang="en-US" sz="1600" baseline="-25000"/>
               <a:t>1-nCell</a:t>
             </a:r>
           </a:p>
@@ -4956,7 +4956,7 @@
           <a:lstStyle/>
           <a:p>
             <a:r>
-              <a:rPr lang="en-US" sz="2400" dirty="0"/>
+              <a:rPr lang="en-US" sz="2400"/>
               <a:t>Example - SX1,PX3</a:t>
             </a:r>
           </a:p>
@@ -5270,20 +5270,14 @@
             </a:lvl9pPr>
           </a:lstStyle>
           <a:p>
-            <a:endParaRPr lang="en-US" sz="1600" dirty="0"/>
-          </a:p>
-          <a:p>
-            <a:endParaRPr lang="en-US" sz="1600" dirty="0"/>
-          </a:p>
-          <a:p>
-            <a:r>
-              <a:rPr lang="en-US" sz="1600" dirty="0"/>
-              <a:t>Differential state residuals converge to zero</a:t>
-            </a:r>
-          </a:p>
-          <a:p>
-            <a:r>
-              <a:rPr lang="en-US" sz="1600" dirty="0"/>
+            <a:endParaRPr lang="en-US" sz="1600"/>
+          </a:p>
+          <a:p>
+            <a:endParaRPr lang="en-US" sz="1600"/>
+          </a:p>
+          <a:p>
+            <a:r>
+              <a:rPr lang="en-US" sz="1600"/>
               <a:t>Converges to same local solution as central approach</a:t>
             </a:r>
           </a:p>
@@ -5448,7 +5442,7 @@
           <a:lstStyle/>
           <a:p>
             <a:r>
-              <a:rPr lang="en-US" sz="2400" dirty="0"/>
+              <a:rPr lang="en-US" sz="2400"/>
               <a:t>ADMM Convergence</a:t>
             </a:r>
           </a:p>
@@ -5484,11 +5478,11 @@
               <a:buNone/>
             </a:pPr>
             <a:r>
-              <a:rPr lang="en-US" sz="1200" dirty="0"/>
+              <a:rPr lang="en-US" sz="1200"/>
               <a:t>Design variable very slow to converge, b</a:t>
             </a:r>
             <a:r>
-              <a:rPr lang="en-US" sz="1300" dirty="0">
+              <a:rPr lang="en-US" sz="1300">
                 <a:sym typeface="Wingdings" panose="05000000000000000000" pitchFamily="2" charset="2"/>
               </a:rPr>
               <a:t>ut able to find same solution</a:t>
@@ -5496,7 +5490,7 @@
           </a:p>
           <a:p>
             <a:pPr lvl="1"/>
-            <a:endParaRPr lang="en-US" sz="1100" dirty="0">
+            <a:endParaRPr lang="en-US" sz="1100">
               <a:sym typeface="Wingdings" panose="05000000000000000000" pitchFamily="2" charset="2"/>
             </a:endParaRPr>
           </a:p>
@@ -5505,28 +5499,28 @@
               <a:buNone/>
             </a:pPr>
             <a:r>
-              <a:rPr lang="en-US" sz="1400" dirty="0"/>
+              <a:rPr lang="en-US" sz="1400"/>
               <a:t>Multipliers in different orders of magnitudes</a:t>
             </a:r>
           </a:p>
           <a:p>
             <a:r>
-              <a:rPr lang="en-US" sz="1200" dirty="0"/>
-              <a:t>Des 	– 4e-4</a:t>
-            </a:r>
-          </a:p>
-          <a:p>
-            <a:r>
-              <a:rPr lang="en-US" sz="1200" dirty="0"/>
+              <a:rPr lang="en-US" sz="1200"/>
+              <a:t>Des 	    – 4e-4</a:t>
+            </a:r>
+          </a:p>
+          <a:p>
+            <a:r>
+              <a:rPr lang="en-US" sz="1200"/>
               <a:t>Differential – 1e-2 (start temp in partitions)</a:t>
             </a:r>
             <a:r>
-              <a:rPr lang="en-US" sz="1200" dirty="0">
+              <a:rPr lang="en-US" sz="1200">
                 <a:sym typeface="Wingdings" panose="05000000000000000000" pitchFamily="2" charset="2"/>
               </a:rPr>
               <a:t> </a:t>
             </a:r>
-            <a:endParaRPr lang="en-US" sz="1200" dirty="0"/>
+            <a:endParaRPr lang="en-US" sz="1200"/>
           </a:p>
         </p:txBody>
       </p:sp>
@@ -6123,6 +6117,15 @@
 </file>
 
 <file path=customXml/item2.xml><?xml version="1.0" encoding="utf-8"?>
+<?mso-contentType ?>
+<FormTemplates xmlns="http://schemas.microsoft.com/sharepoint/v3/contenttype/forms">
+  <Display>DocumentLibraryForm</Display>
+  <Edit>DocumentLibraryForm</Edit>
+  <New>DocumentLibraryForm</New>
+</FormTemplates>
+</file>
+
+<file path=customXml/item3.xml><?xml version="1.0" encoding="utf-8"?>
 <ct:contentTypeSchema xmlns:ct="http://schemas.microsoft.com/office/2006/metadata/contentType" xmlns:ma="http://schemas.microsoft.com/office/2006/metadata/properties/metaAttributes" ct:_="" ma:_="" ma:contentTypeName="Document" ma:contentTypeID="0x01010006EE3FCC4C4A8048BEA2CDF11F47C4C8" ma:contentTypeVersion="9" ma:contentTypeDescription="Create a new document." ma:contentTypeScope="" ma:versionID="e9674f2105a4ea1cd8e8fd9ad5f82f1d">
   <xsd:schema xmlns:xsd="http://www.w3.org/2001/XMLSchema" xmlns:xs="http://www.w3.org/2001/XMLSchema" xmlns:p="http://schemas.microsoft.com/office/2006/metadata/properties" xmlns:ns2="6000e060-03b8-4b5a-b938-e5b3a17c162b" targetNamespace="http://schemas.microsoft.com/office/2006/metadata/properties" ma:root="true" ma:fieldsID="6748ac462f5f5d22133ff3acabd366f2" ns2:_="">
     <xsd:import namespace="6000e060-03b8-4b5a-b938-e5b3a17c162b"/>
@@ -6300,15 +6303,6 @@
 </ct:contentTypeSchema>
 </file>
 
-<file path=customXml/item3.xml><?xml version="1.0" encoding="utf-8"?>
-<?mso-contentType ?>
-<FormTemplates xmlns="http://schemas.microsoft.com/sharepoint/v3/contenttype/forms">
-  <Display>DocumentLibraryForm</Display>
-  <Edit>DocumentLibraryForm</Edit>
-  <New>DocumentLibraryForm</New>
-</FormTemplates>
-</file>
-
 <file path=customXml/itemProps1.xml><?xml version="1.0" encoding="utf-8"?>
 <ds:datastoreItem xmlns:ds="http://schemas.openxmlformats.org/officeDocument/2006/customXml" ds:itemID="{CC65EBA1-506D-4222-9657-0050D9B8735B}">
   <ds:schemaRefs>
@@ -6319,27 +6313,27 @@
 </file>
 
 <file path=customXml/itemProps2.xml><?xml version="1.0" encoding="utf-8"?>
-<ds:datastoreItem xmlns:ds="http://schemas.openxmlformats.org/officeDocument/2006/customXml" ds:itemID="{16ABB917-64F5-4455-B053-B6C53509B72E}">
+<ds:datastoreItem xmlns:ds="http://schemas.openxmlformats.org/officeDocument/2006/customXml" ds:itemID="{938E7945-E5DA-4D47-88B8-516D67DFC100}">
   <ds:schemaRefs>
-    <ds:schemaRef ds:uri="http://schemas.microsoft.com/office/2006/metadata/contentType"/>
-    <ds:schemaRef ds:uri="http://schemas.microsoft.com/office/2006/metadata/properties/metaAttributes"/>
-    <ds:schemaRef ds:uri="http://www.w3.org/2001/XMLSchema"/>
-    <ds:schemaRef ds:uri="http://schemas.microsoft.com/office/2006/metadata/properties"/>
-    <ds:schemaRef ds:uri="6000e060-03b8-4b5a-b938-e5b3a17c162b"/>
-    <ds:schemaRef ds:uri="http://schemas.microsoft.com/office/2006/documentManagement/types"/>
-    <ds:schemaRef ds:uri="http://schemas.microsoft.com/office/infopath/2007/PartnerControls"/>
-    <ds:schemaRef ds:uri="http://schemas.openxmlformats.org/package/2006/metadata/core-properties"/>
-    <ds:schemaRef ds:uri="http://purl.org/dc/elements/1.1/"/>
-    <ds:schemaRef ds:uri="http://purl.org/dc/terms/"/>
-    <ds:schemaRef ds:uri="http://schemas.microsoft.com/internal/obd"/>
+    <ds:schemaRef ds:uri="http://schemas.microsoft.com/sharepoint/v3/contenttype/forms"/>
   </ds:schemaRefs>
 </ds:datastoreItem>
 </file>
 
 <file path=customXml/itemProps3.xml><?xml version="1.0" encoding="utf-8"?>
-<ds:datastoreItem xmlns:ds="http://schemas.openxmlformats.org/officeDocument/2006/customXml" ds:itemID="{938E7945-E5DA-4D47-88B8-516D67DFC100}">
+<ds:datastoreItem xmlns:ds="http://schemas.openxmlformats.org/officeDocument/2006/customXml" ds:itemID="{16ABB917-64F5-4455-B053-B6C53509B72E}">
   <ds:schemaRefs>
-    <ds:schemaRef ds:uri="http://schemas.microsoft.com/sharepoint/v3/contenttype/forms"/>
+    <ds:schemaRef ds:uri="6000e060-03b8-4b5a-b938-e5b3a17c162b"/>
+    <ds:schemaRef ds:uri="http://purl.org/dc/elements/1.1/"/>
+    <ds:schemaRef ds:uri="http://purl.org/dc/terms/"/>
+    <ds:schemaRef ds:uri="http://schemas.microsoft.com/internal/obd"/>
+    <ds:schemaRef ds:uri="http://schemas.microsoft.com/office/2006/documentManagement/types"/>
+    <ds:schemaRef ds:uri="http://schemas.microsoft.com/office/2006/metadata/contentType"/>
+    <ds:schemaRef ds:uri="http://schemas.microsoft.com/office/2006/metadata/properties"/>
+    <ds:schemaRef ds:uri="http://schemas.microsoft.com/office/2006/metadata/properties/metaAttributes"/>
+    <ds:schemaRef ds:uri="http://schemas.microsoft.com/office/infopath/2007/PartnerControls"/>
+    <ds:schemaRef ds:uri="http://schemas.openxmlformats.org/package/2006/metadata/core-properties"/>
+    <ds:schemaRef ds:uri="http://www.w3.org/2001/XMLSchema"/>
   </ds:schemaRefs>
 </ds:datastoreItem>
 </file>
--- a/Admin/Escape Results.pptx
+++ b/Admin/Escape Results.pptx
@@ -13,10 +13,11 @@
     <p:sldId id="259" r:id="rId10"/>
     <p:sldId id="260" r:id="rId11"/>
     <p:sldId id="261" r:id="rId12"/>
-    <p:sldId id="264" r:id="rId13"/>
-    <p:sldId id="265" r:id="rId14"/>
-    <p:sldId id="266" r:id="rId15"/>
-    <p:sldId id="271" r:id="rId16"/>
+    <p:sldId id="272" r:id="rId13"/>
+    <p:sldId id="273" r:id="rId14"/>
+    <p:sldId id="275" r:id="rId15"/>
+    <p:sldId id="265" r:id="rId16"/>
+    <p:sldId id="266" r:id="rId17"/>
   </p:sldIdLst>
   <p:sldSz cx="9144000" cy="5143500" type="screen16x9"/>
   <p:notesSz cx="6858000" cy="9144000"/>
@@ -137,7 +138,7 @@
 <file path=ppt/revisionInfo.xml><?xml version="1.0" encoding="utf-8"?>
 <p1510:revInfo xmlns:a="http://schemas.openxmlformats.org/drawingml/2006/main" xmlns:r="http://schemas.openxmlformats.org/officeDocument/2006/relationships" xmlns:p1510="http://schemas.microsoft.com/office/powerpoint/2015/10/main">
   <p1510:revLst>
-    <p1510:client id="{F817BABB-CBA7-448D-9D58-A32A2DB79D75}" v="117" dt="2020-10-05T16:23:27.035"/>
+    <p1510:client id="{F817BABB-CBA7-448D-9D58-A32A2DB79D75}" v="156" dt="2020-10-05T18:05:43.250"/>
   </p1510:revLst>
 </p1510:revInfo>
 </file>
@@ -147,10 +148,33 @@
   <pc:docChgLst>
     <pc:chgData name="Sandeep Prakash" userId="5b362298-5542-405f-bec6-c788e8033232" providerId="ADAL" clId="{F817BABB-CBA7-448D-9D58-A32A2DB79D75}"/>
     <pc:docChg chg="undo custSel addSld delSld modSld sldOrd modMainMaster">
-      <pc:chgData name="Sandeep Prakash" userId="5b362298-5542-405f-bec6-c788e8033232" providerId="ADAL" clId="{F817BABB-CBA7-448D-9D58-A32A2DB79D75}" dt="2020-10-05T16:23:27.035" v="2169" actId="20577"/>
+      <pc:chgData name="Sandeep Prakash" userId="5b362298-5542-405f-bec6-c788e8033232" providerId="ADAL" clId="{F817BABB-CBA7-448D-9D58-A32A2DB79D75}" dt="2020-10-05T18:07:10.012" v="2814" actId="2696"/>
       <pc:docMkLst>
         <pc:docMk/>
       </pc:docMkLst>
+      <pc:sldChg chg="modSp">
+        <pc:chgData name="Sandeep Prakash" userId="5b362298-5542-405f-bec6-c788e8033232" providerId="ADAL" clId="{F817BABB-CBA7-448D-9D58-A32A2DB79D75}" dt="2020-10-05T17:58:44.501" v="2645" actId="20577"/>
+        <pc:sldMkLst>
+          <pc:docMk/>
+          <pc:sldMk cId="3243102052" sldId="256"/>
+        </pc:sldMkLst>
+        <pc:spChg chg="mod">
+          <ac:chgData name="Sandeep Prakash" userId="5b362298-5542-405f-bec6-c788e8033232" providerId="ADAL" clId="{F817BABB-CBA7-448D-9D58-A32A2DB79D75}" dt="2020-10-05T17:58:33.374" v="2644" actId="403"/>
+          <ac:spMkLst>
+            <pc:docMk/>
+            <pc:sldMk cId="3243102052" sldId="256"/>
+            <ac:spMk id="2" creationId="{00000000-0000-0000-0000-000000000000}"/>
+          </ac:spMkLst>
+        </pc:spChg>
+        <pc:spChg chg="mod">
+          <ac:chgData name="Sandeep Prakash" userId="5b362298-5542-405f-bec6-c788e8033232" providerId="ADAL" clId="{F817BABB-CBA7-448D-9D58-A32A2DB79D75}" dt="2020-10-05T17:58:44.501" v="2645" actId="20577"/>
+          <ac:spMkLst>
+            <pc:docMk/>
+            <pc:sldMk cId="3243102052" sldId="256"/>
+            <ac:spMk id="3" creationId="{00000000-0000-0000-0000-000000000000}"/>
+          </ac:spMkLst>
+        </pc:spChg>
+      </pc:sldChg>
       <pc:sldChg chg="del">
         <pc:chgData name="Sandeep Prakash" userId="5b362298-5542-405f-bec6-c788e8033232" providerId="ADAL" clId="{F817BABB-CBA7-448D-9D58-A32A2DB79D75}" dt="2020-10-04T17:00:05.590" v="659" actId="2696"/>
         <pc:sldMkLst>
@@ -526,15 +550,15 @@
           </ac:picMkLst>
         </pc:picChg>
       </pc:sldChg>
-      <pc:sldChg chg="add">
-        <pc:chgData name="Sandeep Prakash" userId="5b362298-5542-405f-bec6-c788e8033232" providerId="ADAL" clId="{F817BABB-CBA7-448D-9D58-A32A2DB79D75}" dt="2020-10-04T17:12:35.527" v="1151"/>
+      <pc:sldChg chg="add del">
+        <pc:chgData name="Sandeep Prakash" userId="5b362298-5542-405f-bec6-c788e8033232" providerId="ADAL" clId="{F817BABB-CBA7-448D-9D58-A32A2DB79D75}" dt="2020-10-05T18:07:10.012" v="2814" actId="2696"/>
         <pc:sldMkLst>
           <pc:docMk/>
           <pc:sldMk cId="1448095239" sldId="264"/>
         </pc:sldMkLst>
       </pc:sldChg>
       <pc:sldChg chg="addSp delSp modSp add ord">
-        <pc:chgData name="Sandeep Prakash" userId="5b362298-5542-405f-bec6-c788e8033232" providerId="ADAL" clId="{F817BABB-CBA7-448D-9D58-A32A2DB79D75}" dt="2020-10-05T07:48:30.496" v="2137" actId="1076"/>
+        <pc:chgData name="Sandeep Prakash" userId="5b362298-5542-405f-bec6-c788e8033232" providerId="ADAL" clId="{F817BABB-CBA7-448D-9D58-A32A2DB79D75}" dt="2020-10-05T18:06:15.863" v="2813" actId="20577"/>
         <pc:sldMkLst>
           <pc:docMk/>
           <pc:sldMk cId="1495227828" sldId="265"/>
@@ -548,7 +572,7 @@
           </ac:spMkLst>
         </pc:spChg>
         <pc:spChg chg="mod">
-          <ac:chgData name="Sandeep Prakash" userId="5b362298-5542-405f-bec6-c788e8033232" providerId="ADAL" clId="{F817BABB-CBA7-448D-9D58-A32A2DB79D75}" dt="2020-10-04T17:16:40.819" v="1208" actId="20577"/>
+          <ac:chgData name="Sandeep Prakash" userId="5b362298-5542-405f-bec6-c788e8033232" providerId="ADAL" clId="{F817BABB-CBA7-448D-9D58-A32A2DB79D75}" dt="2020-10-05T18:06:15.863" v="2813" actId="20577"/>
           <ac:spMkLst>
             <pc:docMk/>
             <pc:sldMk cId="1495227828" sldId="265"/>
@@ -871,12 +895,246 @@
           </ac:picMkLst>
         </pc:picChg>
       </pc:sldChg>
-      <pc:sldChg chg="add">
-        <pc:chgData name="Sandeep Prakash" userId="5b362298-5542-405f-bec6-c788e8033232" providerId="ADAL" clId="{F817BABB-CBA7-448D-9D58-A32A2DB79D75}" dt="2020-10-04T17:47:26.020" v="2007"/>
+      <pc:sldChg chg="add del">
+        <pc:chgData name="Sandeep Prakash" userId="5b362298-5542-405f-bec6-c788e8033232" providerId="ADAL" clId="{F817BABB-CBA7-448D-9D58-A32A2DB79D75}" dt="2020-10-05T18:05:44.804" v="2789" actId="2696"/>
         <pc:sldMkLst>
           <pc:docMk/>
           <pc:sldMk cId="785515841" sldId="271"/>
         </pc:sldMkLst>
+      </pc:sldChg>
+      <pc:sldChg chg="addSp delSp modSp add">
+        <pc:chgData name="Sandeep Prakash" userId="5b362298-5542-405f-bec6-c788e8033232" providerId="ADAL" clId="{F817BABB-CBA7-448D-9D58-A32A2DB79D75}" dt="2020-10-05T17:42:37.508" v="2461" actId="404"/>
+        <pc:sldMkLst>
+          <pc:docMk/>
+          <pc:sldMk cId="3394912370" sldId="272"/>
+        </pc:sldMkLst>
+        <pc:spChg chg="mod">
+          <ac:chgData name="Sandeep Prakash" userId="5b362298-5542-405f-bec6-c788e8033232" providerId="ADAL" clId="{F817BABB-CBA7-448D-9D58-A32A2DB79D75}" dt="2020-10-05T17:36:56.786" v="2178" actId="20577"/>
+          <ac:spMkLst>
+            <pc:docMk/>
+            <pc:sldMk cId="3394912370" sldId="272"/>
+            <ac:spMk id="2" creationId="{5D3E7CC4-EC27-442F-BA09-58046DBB03D8}"/>
+          </ac:spMkLst>
+        </pc:spChg>
+        <pc:spChg chg="mod">
+          <ac:chgData name="Sandeep Prakash" userId="5b362298-5542-405f-bec6-c788e8033232" providerId="ADAL" clId="{F817BABB-CBA7-448D-9D58-A32A2DB79D75}" dt="2020-10-05T17:42:37.508" v="2461" actId="404"/>
+          <ac:spMkLst>
+            <pc:docMk/>
+            <pc:sldMk cId="3394912370" sldId="272"/>
+            <ac:spMk id="3" creationId="{9D6F03DC-621B-4568-9468-5811EF9BE1CB}"/>
+          </ac:spMkLst>
+        </pc:spChg>
+        <pc:graphicFrameChg chg="add del mod">
+          <ac:chgData name="Sandeep Prakash" userId="5b362298-5542-405f-bec6-c788e8033232" providerId="ADAL" clId="{F817BABB-CBA7-448D-9D58-A32A2DB79D75}" dt="2020-10-05T17:37:29.828" v="2182"/>
+          <ac:graphicFrameMkLst>
+            <pc:docMk/>
+            <pc:sldMk cId="3394912370" sldId="272"/>
+            <ac:graphicFrameMk id="4" creationId="{32689896-72ED-488C-A8F2-E90FC1421486}"/>
+          </ac:graphicFrameMkLst>
+        </pc:graphicFrameChg>
+        <pc:graphicFrameChg chg="add del mod">
+          <ac:chgData name="Sandeep Prakash" userId="5b362298-5542-405f-bec6-c788e8033232" providerId="ADAL" clId="{F817BABB-CBA7-448D-9D58-A32A2DB79D75}" dt="2020-10-05T17:38:08.377" v="2254"/>
+          <ac:graphicFrameMkLst>
+            <pc:docMk/>
+            <pc:sldMk cId="3394912370" sldId="272"/>
+            <ac:graphicFrameMk id="7" creationId="{76AA6525-5DEF-4F2F-B366-27F116B25546}"/>
+          </ac:graphicFrameMkLst>
+        </pc:graphicFrameChg>
+        <pc:graphicFrameChg chg="add del mod">
+          <ac:chgData name="Sandeep Prakash" userId="5b362298-5542-405f-bec6-c788e8033232" providerId="ADAL" clId="{F817BABB-CBA7-448D-9D58-A32A2DB79D75}" dt="2020-10-05T17:38:48.363" v="2283"/>
+          <ac:graphicFrameMkLst>
+            <pc:docMk/>
+            <pc:sldMk cId="3394912370" sldId="272"/>
+            <ac:graphicFrameMk id="10" creationId="{9DCA6DDC-841A-4B08-B890-0CF3CB4BD596}"/>
+          </ac:graphicFrameMkLst>
+        </pc:graphicFrameChg>
+        <pc:graphicFrameChg chg="add del mod">
+          <ac:chgData name="Sandeep Prakash" userId="5b362298-5542-405f-bec6-c788e8033232" providerId="ADAL" clId="{F817BABB-CBA7-448D-9D58-A32A2DB79D75}" dt="2020-10-05T17:38:56.400" v="2290"/>
+          <ac:graphicFrameMkLst>
+            <pc:docMk/>
+            <pc:sldMk cId="3394912370" sldId="272"/>
+            <ac:graphicFrameMk id="13" creationId="{689D9E01-4C48-4546-8861-60941EE03F63}"/>
+          </ac:graphicFrameMkLst>
+        </pc:graphicFrameChg>
+        <pc:graphicFrameChg chg="add del mod">
+          <ac:chgData name="Sandeep Prakash" userId="5b362298-5542-405f-bec6-c788e8033232" providerId="ADAL" clId="{F817BABB-CBA7-448D-9D58-A32A2DB79D75}" dt="2020-10-05T17:39:10.924" v="2298"/>
+          <ac:graphicFrameMkLst>
+            <pc:docMk/>
+            <pc:sldMk cId="3394912370" sldId="272"/>
+            <ac:graphicFrameMk id="16" creationId="{C4A5C546-DD03-4EF2-825D-10A436C58A41}"/>
+          </ac:graphicFrameMkLst>
+        </pc:graphicFrameChg>
+        <pc:graphicFrameChg chg="add del mod">
+          <ac:chgData name="Sandeep Prakash" userId="5b362298-5542-405f-bec6-c788e8033232" providerId="ADAL" clId="{F817BABB-CBA7-448D-9D58-A32A2DB79D75}" dt="2020-10-05T17:41:08.771" v="2394"/>
+          <ac:graphicFrameMkLst>
+            <pc:docMk/>
+            <pc:sldMk cId="3394912370" sldId="272"/>
+            <ac:graphicFrameMk id="19" creationId="{5737DC1F-3384-4542-BCCC-9924ACB011D3}"/>
+          </ac:graphicFrameMkLst>
+        </pc:graphicFrameChg>
+        <pc:picChg chg="add mod">
+          <ac:chgData name="Sandeep Prakash" userId="5b362298-5542-405f-bec6-c788e8033232" providerId="ADAL" clId="{F817BABB-CBA7-448D-9D58-A32A2DB79D75}" dt="2020-10-05T17:40:17.153" v="2391" actId="1035"/>
+          <ac:picMkLst>
+            <pc:docMk/>
+            <pc:sldMk cId="3394912370" sldId="272"/>
+            <ac:picMk id="6" creationId="{973A046E-5EA9-4269-BF4E-1266B3C53CEC}"/>
+          </ac:picMkLst>
+        </pc:picChg>
+        <pc:picChg chg="add mod ord">
+          <ac:chgData name="Sandeep Prakash" userId="5b362298-5542-405f-bec6-c788e8033232" providerId="ADAL" clId="{F817BABB-CBA7-448D-9D58-A32A2DB79D75}" dt="2020-10-05T17:40:09.941" v="2383" actId="166"/>
+          <ac:picMkLst>
+            <pc:docMk/>
+            <pc:sldMk cId="3394912370" sldId="272"/>
+            <ac:picMk id="9" creationId="{6884FBAB-8D23-446B-BCF0-52560A74BA00}"/>
+          </ac:picMkLst>
+        </pc:picChg>
+        <pc:picChg chg="add del mod">
+          <ac:chgData name="Sandeep Prakash" userId="5b362298-5542-405f-bec6-c788e8033232" providerId="ADAL" clId="{F817BABB-CBA7-448D-9D58-A32A2DB79D75}" dt="2020-10-05T17:38:53.215" v="2287" actId="478"/>
+          <ac:picMkLst>
+            <pc:docMk/>
+            <pc:sldMk cId="3394912370" sldId="272"/>
+            <ac:picMk id="12" creationId="{0100A432-1550-4901-91F7-08CC5C7FAC4E}"/>
+          </ac:picMkLst>
+        </pc:picChg>
+        <pc:picChg chg="add mod">
+          <ac:chgData name="Sandeep Prakash" userId="5b362298-5542-405f-bec6-c788e8033232" providerId="ADAL" clId="{F817BABB-CBA7-448D-9D58-A32A2DB79D75}" dt="2020-10-05T17:39:07.030" v="2295" actId="1076"/>
+          <ac:picMkLst>
+            <pc:docMk/>
+            <pc:sldMk cId="3394912370" sldId="272"/>
+            <ac:picMk id="15" creationId="{444F4641-E084-446C-A037-5F6E19372174}"/>
+          </ac:picMkLst>
+        </pc:picChg>
+        <pc:picChg chg="add mod">
+          <ac:chgData name="Sandeep Prakash" userId="5b362298-5542-405f-bec6-c788e8033232" providerId="ADAL" clId="{F817BABB-CBA7-448D-9D58-A32A2DB79D75}" dt="2020-10-05T17:40:15.585" v="2387" actId="1035"/>
+          <ac:picMkLst>
+            <pc:docMk/>
+            <pc:sldMk cId="3394912370" sldId="272"/>
+            <ac:picMk id="18" creationId="{4668F48C-F399-4803-A7CA-4FE1EA2B3C18}"/>
+          </ac:picMkLst>
+        </pc:picChg>
+        <pc:picChg chg="add del mod">
+          <ac:chgData name="Sandeep Prakash" userId="5b362298-5542-405f-bec6-c788e8033232" providerId="ADAL" clId="{F817BABB-CBA7-448D-9D58-A32A2DB79D75}" dt="2020-10-05T17:41:22.602" v="2398" actId="478"/>
+          <ac:picMkLst>
+            <pc:docMk/>
+            <pc:sldMk cId="3394912370" sldId="272"/>
+            <ac:picMk id="21" creationId="{7D350820-91BC-4031-B738-02B829672675}"/>
+          </ac:picMkLst>
+        </pc:picChg>
+      </pc:sldChg>
+      <pc:sldChg chg="addSp delSp modSp add">
+        <pc:chgData name="Sandeep Prakash" userId="5b362298-5542-405f-bec6-c788e8033232" providerId="ADAL" clId="{F817BABB-CBA7-448D-9D58-A32A2DB79D75}" dt="2020-10-05T18:04:53.823" v="2768" actId="20577"/>
+        <pc:sldMkLst>
+          <pc:docMk/>
+          <pc:sldMk cId="3008920400" sldId="273"/>
+        </pc:sldMkLst>
+        <pc:spChg chg="mod">
+          <ac:chgData name="Sandeep Prakash" userId="5b362298-5542-405f-bec6-c788e8033232" providerId="ADAL" clId="{F817BABB-CBA7-448D-9D58-A32A2DB79D75}" dt="2020-10-05T18:02:10.090" v="2650" actId="5793"/>
+          <ac:spMkLst>
+            <pc:docMk/>
+            <pc:sldMk cId="3008920400" sldId="273"/>
+            <ac:spMk id="2" creationId="{84DD744E-F31D-4403-9249-CDDD67A00FDA}"/>
+          </ac:spMkLst>
+        </pc:spChg>
+        <pc:spChg chg="mod">
+          <ac:chgData name="Sandeep Prakash" userId="5b362298-5542-405f-bec6-c788e8033232" providerId="ADAL" clId="{F817BABB-CBA7-448D-9D58-A32A2DB79D75}" dt="2020-10-05T18:04:53.823" v="2768" actId="20577"/>
+          <ac:spMkLst>
+            <pc:docMk/>
+            <pc:sldMk cId="3008920400" sldId="273"/>
+            <ac:spMk id="3" creationId="{94C8FCE1-F2BD-4F64-90D3-F2625FA8DB0A}"/>
+          </ac:spMkLst>
+        </pc:spChg>
+        <pc:graphicFrameChg chg="add del mod">
+          <ac:chgData name="Sandeep Prakash" userId="5b362298-5542-405f-bec6-c788e8033232" providerId="ADAL" clId="{F817BABB-CBA7-448D-9D58-A32A2DB79D75}" dt="2020-10-05T18:02:23.615" v="2654"/>
+          <ac:graphicFrameMkLst>
+            <pc:docMk/>
+            <pc:sldMk cId="3008920400" sldId="273"/>
+            <ac:graphicFrameMk id="4" creationId="{8CF86538-5B03-4FB0-8D4D-6970DE2A5185}"/>
+          </ac:graphicFrameMkLst>
+        </pc:graphicFrameChg>
+        <pc:graphicFrameChg chg="add del mod">
+          <ac:chgData name="Sandeep Prakash" userId="5b362298-5542-405f-bec6-c788e8033232" providerId="ADAL" clId="{F817BABB-CBA7-448D-9D58-A32A2DB79D75}" dt="2020-10-05T18:02:52.200" v="2668"/>
+          <ac:graphicFrameMkLst>
+            <pc:docMk/>
+            <pc:sldMk cId="3008920400" sldId="273"/>
+            <ac:graphicFrameMk id="9" creationId="{F7323D49-84FA-4B6D-8231-05A9DFDDFABB}"/>
+          </ac:graphicFrameMkLst>
+        </pc:graphicFrameChg>
+        <pc:graphicFrameChg chg="add del mod">
+          <ac:chgData name="Sandeep Prakash" userId="5b362298-5542-405f-bec6-c788e8033232" providerId="ADAL" clId="{F817BABB-CBA7-448D-9D58-A32A2DB79D75}" dt="2020-10-05T18:03:07.610" v="2676"/>
+          <ac:graphicFrameMkLst>
+            <pc:docMk/>
+            <pc:sldMk cId="3008920400" sldId="273"/>
+            <ac:graphicFrameMk id="12" creationId="{9FCBB72E-92D5-4B7F-B563-8FBFEA755B1A}"/>
+          </ac:graphicFrameMkLst>
+        </pc:graphicFrameChg>
+        <pc:picChg chg="add mod">
+          <ac:chgData name="Sandeep Prakash" userId="5b362298-5542-405f-bec6-c788e8033232" providerId="ADAL" clId="{F817BABB-CBA7-448D-9D58-A32A2DB79D75}" dt="2020-10-05T18:04:04.169" v="2688" actId="14100"/>
+          <ac:picMkLst>
+            <pc:docMk/>
+            <pc:sldMk cId="3008920400" sldId="273"/>
+            <ac:picMk id="6" creationId="{7382521A-00E0-45AA-BBEA-845DB37DC04B}"/>
+          </ac:picMkLst>
+        </pc:picChg>
+        <pc:picChg chg="add mod">
+          <ac:chgData name="Sandeep Prakash" userId="5b362298-5542-405f-bec6-c788e8033232" providerId="ADAL" clId="{F817BABB-CBA7-448D-9D58-A32A2DB79D75}" dt="2020-10-05T18:03:57.576" v="2686" actId="14100"/>
+          <ac:picMkLst>
+            <pc:docMk/>
+            <pc:sldMk cId="3008920400" sldId="273"/>
+            <ac:picMk id="8" creationId="{1A830544-5FCE-4B68-B5AE-1E4223B79E58}"/>
+          </ac:picMkLst>
+        </pc:picChg>
+        <pc:picChg chg="add mod">
+          <ac:chgData name="Sandeep Prakash" userId="5b362298-5542-405f-bec6-c788e8033232" providerId="ADAL" clId="{F817BABB-CBA7-448D-9D58-A32A2DB79D75}" dt="2020-10-05T18:04:10.578" v="2718" actId="1038"/>
+          <ac:picMkLst>
+            <pc:docMk/>
+            <pc:sldMk cId="3008920400" sldId="273"/>
+            <ac:picMk id="11" creationId="{CF1E993D-B90C-4D22-BC0C-5989F73F98B3}"/>
+          </ac:picMkLst>
+        </pc:picChg>
+        <pc:picChg chg="add mod">
+          <ac:chgData name="Sandeep Prakash" userId="5b362298-5542-405f-bec6-c788e8033232" providerId="ADAL" clId="{F817BABB-CBA7-448D-9D58-A32A2DB79D75}" dt="2020-10-05T18:04:10.578" v="2718" actId="1038"/>
+          <ac:picMkLst>
+            <pc:docMk/>
+            <pc:sldMk cId="3008920400" sldId="273"/>
+            <ac:picMk id="14" creationId="{28289EDE-4CDC-4DA7-94F4-ADFF09CA2A72}"/>
+          </ac:picMkLst>
+        </pc:picChg>
+      </pc:sldChg>
+      <pc:sldChg chg="add del">
+        <pc:chgData name="Sandeep Prakash" userId="5b362298-5542-405f-bec6-c788e8033232" providerId="ADAL" clId="{F817BABB-CBA7-448D-9D58-A32A2DB79D75}" dt="2020-10-05T18:05:14.437" v="2772" actId="2696"/>
+        <pc:sldMkLst>
+          <pc:docMk/>
+          <pc:sldMk cId="147210099" sldId="274"/>
+        </pc:sldMkLst>
+      </pc:sldChg>
+      <pc:sldChg chg="add del">
+        <pc:chgData name="Sandeep Prakash" userId="5b362298-5542-405f-bec6-c788e8033232" providerId="ADAL" clId="{F817BABB-CBA7-448D-9D58-A32A2DB79D75}" dt="2020-10-05T18:05:09.667" v="2770" actId="2696"/>
+        <pc:sldMkLst>
+          <pc:docMk/>
+          <pc:sldMk cId="561887531" sldId="274"/>
+        </pc:sldMkLst>
+      </pc:sldChg>
+      <pc:sldChg chg="add del">
+        <pc:chgData name="Sandeep Prakash" userId="5b362298-5542-405f-bec6-c788e8033232" providerId="ADAL" clId="{F817BABB-CBA7-448D-9D58-A32A2DB79D75}" dt="2020-10-05T18:05:45.629" v="2790" actId="2696"/>
+        <pc:sldMkLst>
+          <pc:docMk/>
+          <pc:sldMk cId="826086601" sldId="274"/>
+        </pc:sldMkLst>
+      </pc:sldChg>
+      <pc:sldChg chg="modSp add ord">
+        <pc:chgData name="Sandeep Prakash" userId="5b362298-5542-405f-bec6-c788e8033232" providerId="ADAL" clId="{F817BABB-CBA7-448D-9D58-A32A2DB79D75}" dt="2020-10-05T18:05:43.248" v="2788"/>
+        <pc:sldMkLst>
+          <pc:docMk/>
+          <pc:sldMk cId="3727955727" sldId="275"/>
+        </pc:sldMkLst>
+        <pc:spChg chg="mod">
+          <ac:chgData name="Sandeep Prakash" userId="5b362298-5542-405f-bec6-c788e8033232" providerId="ADAL" clId="{F817BABB-CBA7-448D-9D58-A32A2DB79D75}" dt="2020-10-05T18:05:39.581" v="2787" actId="20577"/>
+          <ac:spMkLst>
+            <pc:docMk/>
+            <pc:sldMk cId="3727955727" sldId="275"/>
+            <ac:spMk id="2" creationId="{BB46120F-9149-410C-AF3B-9287AC93116A}"/>
+          </ac:spMkLst>
+        </pc:spChg>
       </pc:sldChg>
       <pc:sldMasterChg chg="modSldLayout">
         <pc:chgData name="Sandeep Prakash" userId="5b362298-5542-405f-bec6-c788e8033232" providerId="ADAL" clId="{F817BABB-CBA7-448D-9D58-A32A2DB79D75}" dt="2020-10-04T17:03:21.899" v="677" actId="404"/>
@@ -3316,7 +3574,7 @@
         <p:spPr>
           <a:xfrm>
             <a:off x="517126" y="1001374"/>
-            <a:ext cx="7772400" cy="675821"/>
+            <a:ext cx="7772400" cy="523220"/>
           </a:xfrm>
         </p:spPr>
         <p:txBody>
@@ -3324,13 +3582,10 @@
           <a:lstStyle/>
           <a:p>
             <a:r>
-              <a:rPr lang="nb-NO" err="1"/>
-              <a:t>Opening</a:t>
-            </a:r>
-            <a:r>
-              <a:rPr lang="nb-NO"/>
-              <a:t> slide</a:t>
-            </a:r>
+              <a:rPr lang="en-US" sz="2800" b="0" dirty="0"/>
+              <a:t>Distributed optimization using ADMM </a:t>
+            </a:r>
+            <a:endParaRPr lang="nb-NO" sz="2800" dirty="0"/>
           </a:p>
         </p:txBody>
       </p:sp>
@@ -3357,28 +3612,8 @@
           <a:lstStyle/>
           <a:p>
             <a:r>
-              <a:rPr lang="nb-NO" err="1"/>
-              <a:t>Subtitle</a:t>
-            </a:r>
-            <a:r>
-              <a:rPr lang="nb-NO"/>
-              <a:t> or </a:t>
-            </a:r>
-            <a:r>
-              <a:rPr lang="nb-NO" err="1"/>
-              <a:t>name</a:t>
-            </a:r>
-            <a:r>
-              <a:rPr lang="nb-NO"/>
-              <a:t>/date/</a:t>
-            </a:r>
-            <a:r>
-              <a:rPr lang="nb-NO" err="1"/>
-              <a:t>year</a:t>
-            </a:r>
-            <a:r>
-              <a:rPr lang="nb-NO"/>
-              <a:t> </a:t>
+              <a:rPr lang="nb-NO" sz="1800" dirty="0"/>
+              <a:t>A general approach for decomposing multi-stage NLP</a:t>
             </a:r>
           </a:p>
         </p:txBody>
@@ -3489,6 +3724,308 @@
           <p:cNvPr id="2" name="Title 1">
             <a:extLst>
               <a:ext uri="{FF2B5EF4-FFF2-40B4-BE49-F238E27FC236}">
+                <a16:creationId xmlns:a16="http://schemas.microsoft.com/office/drawing/2014/main" id="{84DD744E-F31D-4403-9249-CDDD67A00FDA}"/>
+              </a:ext>
+            </a:extLst>
+          </p:cNvPr>
+          <p:cNvSpPr>
+            <a:spLocks noGrp="1"/>
+          </p:cNvSpPr>
+          <p:nvPr>
+            <p:ph type="title"/>
+          </p:nvPr>
+        </p:nvSpPr>
+        <p:spPr/>
+        <p:txBody>
+          <a:bodyPr/>
+          <a:lstStyle/>
+          <a:p>
+            <a:r>
+              <a:rPr lang="en-US" dirty="0"/>
+              <a:t>Example – SX2,PX3</a:t>
+            </a:r>
+          </a:p>
+        </p:txBody>
+      </p:sp>
+      <p:sp>
+        <p:nvSpPr>
+          <p:cNvPr id="3" name="Content Placeholder 2">
+            <a:extLst>
+              <a:ext uri="{FF2B5EF4-FFF2-40B4-BE49-F238E27FC236}">
+                <a16:creationId xmlns:a16="http://schemas.microsoft.com/office/drawing/2014/main" id="{94C8FCE1-F2BD-4F64-90D3-F2625FA8DB0A}"/>
+              </a:ext>
+            </a:extLst>
+          </p:cNvPr>
+          <p:cNvSpPr>
+            <a:spLocks noGrp="1"/>
+          </p:cNvSpPr>
+          <p:nvPr>
+            <p:ph idx="1"/>
+          </p:nvPr>
+        </p:nvSpPr>
+        <p:spPr/>
+        <p:txBody>
+          <a:bodyPr/>
+          <a:lstStyle/>
+          <a:p>
+            <a:r>
+              <a:rPr lang="en-US" dirty="0"/>
+              <a:t>Converges fairly fast (around 50 </a:t>
+            </a:r>
+            <a:r>
+              <a:rPr lang="en-US" dirty="0" err="1"/>
+              <a:t>iters</a:t>
+            </a:r>
+            <a:r>
+              <a:rPr lang="en-US" dirty="0"/>
+              <a:t>)</a:t>
+            </a:r>
+          </a:p>
+        </p:txBody>
+      </p:sp>
+      <p:pic>
+        <p:nvPicPr>
+          <p:cNvPr id="6" name="Picture 5" descr="Chart, line chart&#10;&#10;Description automatically generated">
+            <a:extLst>
+              <a:ext uri="{FF2B5EF4-FFF2-40B4-BE49-F238E27FC236}">
+                <a16:creationId xmlns:a16="http://schemas.microsoft.com/office/drawing/2014/main" id="{7382521A-00E0-45AA-BBEA-845DB37DC04B}"/>
+              </a:ext>
+            </a:extLst>
+          </p:cNvPr>
+          <p:cNvPicPr>
+            <a:picLocks noChangeAspect="1"/>
+          </p:cNvPicPr>
+          <p:nvPr/>
+        </p:nvPicPr>
+        <p:blipFill>
+          <a:blip r:embed="rId2"/>
+          <a:stretch>
+            <a:fillRect/>
+          </a:stretch>
+        </p:blipFill>
+        <p:spPr>
+          <a:xfrm>
+            <a:off x="6251824" y="1167866"/>
+            <a:ext cx="2851771" cy="2036980"/>
+          </a:xfrm>
+          <a:prstGeom prst="rect">
+            <a:avLst/>
+          </a:prstGeom>
+        </p:spPr>
+      </p:pic>
+      <p:pic>
+        <p:nvPicPr>
+          <p:cNvPr id="8" name="Picture 7" descr="Chart, line chart&#10;&#10;Description automatically generated">
+            <a:extLst>
+              <a:ext uri="{FF2B5EF4-FFF2-40B4-BE49-F238E27FC236}">
+                <a16:creationId xmlns:a16="http://schemas.microsoft.com/office/drawing/2014/main" id="{1A830544-5FCE-4B68-B5AE-1E4223B79E58}"/>
+              </a:ext>
+            </a:extLst>
+          </p:cNvPr>
+          <p:cNvPicPr>
+            <a:picLocks noChangeAspect="1"/>
+          </p:cNvPicPr>
+          <p:nvPr/>
+        </p:nvPicPr>
+        <p:blipFill>
+          <a:blip r:embed="rId3"/>
+          <a:stretch>
+            <a:fillRect/>
+          </a:stretch>
+        </p:blipFill>
+        <p:spPr>
+          <a:xfrm>
+            <a:off x="6251825" y="3127792"/>
+            <a:ext cx="2892172" cy="2065838"/>
+          </a:xfrm>
+          <a:prstGeom prst="rect">
+            <a:avLst/>
+          </a:prstGeom>
+        </p:spPr>
+      </p:pic>
+      <p:pic>
+        <p:nvPicPr>
+          <p:cNvPr id="11" name="Picture 10" descr="Chart, line chart&#10;&#10;Description automatically generated">
+            <a:extLst>
+              <a:ext uri="{FF2B5EF4-FFF2-40B4-BE49-F238E27FC236}">
+                <a16:creationId xmlns:a16="http://schemas.microsoft.com/office/drawing/2014/main" id="{CF1E993D-B90C-4D22-BC0C-5989F73F98B3}"/>
+              </a:ext>
+            </a:extLst>
+          </p:cNvPr>
+          <p:cNvPicPr>
+            <a:picLocks noChangeAspect="1"/>
+          </p:cNvPicPr>
+          <p:nvPr/>
+        </p:nvPicPr>
+        <p:blipFill>
+          <a:blip r:embed="rId4"/>
+          <a:stretch>
+            <a:fillRect/>
+          </a:stretch>
+        </p:blipFill>
+        <p:spPr>
+          <a:xfrm>
+            <a:off x="3501355" y="1235678"/>
+            <a:ext cx="2756835" cy="1969168"/>
+          </a:xfrm>
+          <a:prstGeom prst="rect">
+            <a:avLst/>
+          </a:prstGeom>
+        </p:spPr>
+      </p:pic>
+      <p:pic>
+        <p:nvPicPr>
+          <p:cNvPr id="14" name="Picture 13" descr="Chart, line chart&#10;&#10;Description automatically generated">
+            <a:extLst>
+              <a:ext uri="{FF2B5EF4-FFF2-40B4-BE49-F238E27FC236}">
+                <a16:creationId xmlns:a16="http://schemas.microsoft.com/office/drawing/2014/main" id="{28289EDE-4CDC-4DA7-94F4-ADFF09CA2A72}"/>
+              </a:ext>
+            </a:extLst>
+          </p:cNvPr>
+          <p:cNvPicPr>
+            <a:picLocks noChangeAspect="1"/>
+          </p:cNvPicPr>
+          <p:nvPr/>
+        </p:nvPicPr>
+        <p:blipFill>
+          <a:blip r:embed="rId5"/>
+          <a:stretch>
+            <a:fillRect/>
+          </a:stretch>
+        </p:blipFill>
+        <p:spPr>
+          <a:xfrm>
+            <a:off x="3436199" y="3127792"/>
+            <a:ext cx="2821991" cy="2015708"/>
+          </a:xfrm>
+          <a:prstGeom prst="rect">
+            <a:avLst/>
+          </a:prstGeom>
+        </p:spPr>
+      </p:pic>
+    </p:spTree>
+    <p:extLst>
+      <p:ext uri="{BB962C8B-B14F-4D97-AF65-F5344CB8AC3E}">
+        <p14:creationId xmlns:p14="http://schemas.microsoft.com/office/powerpoint/2010/main" val="3008920400"/>
+      </p:ext>
+    </p:extLst>
+  </p:cSld>
+  <p:clrMapOvr>
+    <a:masterClrMapping/>
+  </p:clrMapOvr>
+</p:sld>
+</file>
+
+<file path=ppt/slides/slide11.xml><?xml version="1.0" encoding="utf-8"?>
+<p:sld xmlns:a="http://schemas.openxmlformats.org/drawingml/2006/main" xmlns:r="http://schemas.openxmlformats.org/officeDocument/2006/relationships" xmlns:p="http://schemas.openxmlformats.org/presentationml/2006/main">
+  <p:cSld>
+    <p:spTree>
+      <p:nvGrpSpPr>
+        <p:cNvPr id="1" name=""/>
+        <p:cNvGrpSpPr/>
+        <p:nvPr/>
+      </p:nvGrpSpPr>
+      <p:grpSpPr>
+        <a:xfrm>
+          <a:off x="0" y="0"/>
+          <a:ext cx="0" cy="0"/>
+          <a:chOff x="0" y="0"/>
+          <a:chExt cx="0" cy="0"/>
+        </a:xfrm>
+      </p:grpSpPr>
+      <p:sp>
+        <p:nvSpPr>
+          <p:cNvPr id="2" name="Title 1">
+            <a:extLst>
+              <a:ext uri="{FF2B5EF4-FFF2-40B4-BE49-F238E27FC236}">
+                <a16:creationId xmlns:a16="http://schemas.microsoft.com/office/drawing/2014/main" id="{BB46120F-9149-410C-AF3B-9287AC93116A}"/>
+              </a:ext>
+            </a:extLst>
+          </p:cNvPr>
+          <p:cNvSpPr>
+            <a:spLocks noGrp="1"/>
+          </p:cNvSpPr>
+          <p:nvPr>
+            <p:ph type="title"/>
+          </p:nvPr>
+        </p:nvSpPr>
+        <p:spPr>
+          <a:xfrm>
+            <a:off x="722313" y="3305176"/>
+            <a:ext cx="7772400" cy="707886"/>
+          </a:xfrm>
+        </p:spPr>
+        <p:txBody>
+          <a:bodyPr/>
+          <a:lstStyle/>
+          <a:p>
+            <a:r>
+              <a:rPr lang="en-US" dirty="0"/>
+              <a:t>BACKUP SLIDES</a:t>
+            </a:r>
+          </a:p>
+        </p:txBody>
+      </p:sp>
+      <p:sp>
+        <p:nvSpPr>
+          <p:cNvPr id="3" name="Text Placeholder 2">
+            <a:extLst>
+              <a:ext uri="{FF2B5EF4-FFF2-40B4-BE49-F238E27FC236}">
+                <a16:creationId xmlns:a16="http://schemas.microsoft.com/office/drawing/2014/main" id="{175F3A64-F28D-4C82-AA74-66C2A516FE66}"/>
+              </a:ext>
+            </a:extLst>
+          </p:cNvPr>
+          <p:cNvSpPr>
+            <a:spLocks noGrp="1"/>
+          </p:cNvSpPr>
+          <p:nvPr>
+            <p:ph type="body" idx="1"/>
+          </p:nvPr>
+        </p:nvSpPr>
+        <p:spPr/>
+        <p:txBody>
+          <a:bodyPr/>
+          <a:lstStyle/>
+          <a:p>
+            <a:endParaRPr lang="en-US"/>
+          </a:p>
+        </p:txBody>
+      </p:sp>
+    </p:spTree>
+    <p:extLst>
+      <p:ext uri="{BB962C8B-B14F-4D97-AF65-F5344CB8AC3E}">
+        <p14:creationId xmlns:p14="http://schemas.microsoft.com/office/powerpoint/2010/main" val="3727955727"/>
+      </p:ext>
+    </p:extLst>
+  </p:cSld>
+  <p:clrMapOvr>
+    <a:masterClrMapping/>
+  </p:clrMapOvr>
+</p:sld>
+</file>
+
+<file path=ppt/slides/slide12.xml><?xml version="1.0" encoding="utf-8"?>
+<p:sld xmlns:a="http://schemas.openxmlformats.org/drawingml/2006/main" xmlns:r="http://schemas.openxmlformats.org/officeDocument/2006/relationships" xmlns:p="http://schemas.openxmlformats.org/presentationml/2006/main">
+  <p:cSld>
+    <p:spTree>
+      <p:nvGrpSpPr>
+        <p:cNvPr id="1" name=""/>
+        <p:cNvGrpSpPr/>
+        <p:nvPr/>
+      </p:nvGrpSpPr>
+      <p:grpSpPr>
+        <a:xfrm>
+          <a:off x="0" y="0"/>
+          <a:ext cx="0" cy="0"/>
+          <a:chOff x="0" y="0"/>
+          <a:chExt cx="0" cy="0"/>
+        </a:xfrm>
+      </p:grpSpPr>
+      <p:sp>
+        <p:nvSpPr>
+          <p:cNvPr id="2" name="Title 1">
+            <a:extLst>
+              <a:ext uri="{FF2B5EF4-FFF2-40B4-BE49-F238E27FC236}">
                 <a16:creationId xmlns:a16="http://schemas.microsoft.com/office/drawing/2014/main" id="{E463AAA3-DCD3-4E49-AB09-32EEA338AAD8}"/>
               </a:ext>
             </a:extLst>
@@ -3546,9 +4083,12 @@
           <a:bodyPr/>
           <a:lstStyle/>
           <a:p>
-            <a:r>
-              <a:rPr lang="en-US"/>
-              <a:t>100 iterations</a:t>
+            <a:pPr marL="0" indent="0">
+              <a:buNone/>
+            </a:pPr>
+            <a:r>
+              <a:rPr lang="en-US" dirty="0"/>
+              <a:t>Sx2,Px3 case. 100 iterations</a:t>
             </a:r>
           </a:p>
         </p:txBody>
@@ -3746,7 +4286,7 @@
 </p:sld>
 </file>
 
-<file path=ppt/slides/slide11.xml><?xml version="1.0" encoding="utf-8"?>
+<file path=ppt/slides/slide13.xml><?xml version="1.0" encoding="utf-8"?>
 <p:sld xmlns:a="http://schemas.openxmlformats.org/drawingml/2006/main" xmlns:r="http://schemas.openxmlformats.org/officeDocument/2006/relationships" xmlns:p="http://schemas.openxmlformats.org/presentationml/2006/main">
   <p:cSld>
     <p:spTree>
@@ -4084,86 +4624,6 @@
 </p:sld>
 </file>
 
-<file path=ppt/slides/slide12.xml><?xml version="1.0" encoding="utf-8"?>
-<p:sld xmlns:a="http://schemas.openxmlformats.org/drawingml/2006/main" xmlns:r="http://schemas.openxmlformats.org/officeDocument/2006/relationships" xmlns:p="http://schemas.openxmlformats.org/presentationml/2006/main">
-  <p:cSld>
-    <p:spTree>
-      <p:nvGrpSpPr>
-        <p:cNvPr id="1" name=""/>
-        <p:cNvGrpSpPr/>
-        <p:nvPr/>
-      </p:nvGrpSpPr>
-      <p:grpSpPr>
-        <a:xfrm>
-          <a:off x="0" y="0"/>
-          <a:ext cx="0" cy="0"/>
-          <a:chOff x="0" y="0"/>
-          <a:chExt cx="0" cy="0"/>
-        </a:xfrm>
-      </p:grpSpPr>
-      <p:sp>
-        <p:nvSpPr>
-          <p:cNvPr id="2" name="Title 1">
-            <a:extLst>
-              <a:ext uri="{FF2B5EF4-FFF2-40B4-BE49-F238E27FC236}">
-                <a16:creationId xmlns:a16="http://schemas.microsoft.com/office/drawing/2014/main" id="{A295CAE8-EE71-468C-A29C-50964F3439D0}"/>
-              </a:ext>
-            </a:extLst>
-          </p:cNvPr>
-          <p:cNvSpPr>
-            <a:spLocks noGrp="1"/>
-          </p:cNvSpPr>
-          <p:nvPr>
-            <p:ph type="title"/>
-          </p:nvPr>
-        </p:nvSpPr>
-        <p:spPr/>
-        <p:txBody>
-          <a:bodyPr/>
-          <a:lstStyle/>
-          <a:p>
-            <a:endParaRPr lang="en-US"/>
-          </a:p>
-        </p:txBody>
-      </p:sp>
-      <p:sp>
-        <p:nvSpPr>
-          <p:cNvPr id="3" name="Content Placeholder 2">
-            <a:extLst>
-              <a:ext uri="{FF2B5EF4-FFF2-40B4-BE49-F238E27FC236}">
-                <a16:creationId xmlns:a16="http://schemas.microsoft.com/office/drawing/2014/main" id="{4C2E0B64-2A2F-44E3-878F-EECB3BFFDAD3}"/>
-              </a:ext>
-            </a:extLst>
-          </p:cNvPr>
-          <p:cNvSpPr>
-            <a:spLocks noGrp="1"/>
-          </p:cNvSpPr>
-          <p:nvPr>
-            <p:ph idx="1"/>
-          </p:nvPr>
-        </p:nvSpPr>
-        <p:spPr/>
-        <p:txBody>
-          <a:bodyPr/>
-          <a:lstStyle/>
-          <a:p>
-            <a:endParaRPr lang="en-US"/>
-          </a:p>
-        </p:txBody>
-      </p:sp>
-    </p:spTree>
-    <p:extLst>
-      <p:ext uri="{BB962C8B-B14F-4D97-AF65-F5344CB8AC3E}">
-        <p14:creationId xmlns:p14="http://schemas.microsoft.com/office/powerpoint/2010/main" val="785515841"/>
-      </p:ext>
-    </p:extLst>
-  </p:cSld>
-  <p:clrMapOvr>
-    <a:masterClrMapping/>
-  </p:clrMapOvr>
-</p:sld>
-</file>
-
 <file path=ppt/slides/slide2.xml><?xml version="1.0" encoding="utf-8"?>
 <p:sld xmlns:a="http://schemas.openxmlformats.org/drawingml/2006/main" xmlns:r="http://schemas.openxmlformats.org/officeDocument/2006/relationships" xmlns:p="http://schemas.openxmlformats.org/presentationml/2006/main">
   <p:cSld>
@@ -4956,7 +5416,7 @@
           <a:lstStyle/>
           <a:p>
             <a:r>
-              <a:rPr lang="en-US" sz="2400"/>
+              <a:rPr lang="en-US" sz="2400" dirty="0"/>
               <a:t>Example - SX1,PX3</a:t>
             </a:r>
           </a:p>
@@ -5709,7 +6169,7 @@
           <p:cNvPr id="2" name="Title 1">
             <a:extLst>
               <a:ext uri="{FF2B5EF4-FFF2-40B4-BE49-F238E27FC236}">
-                <a16:creationId xmlns:a16="http://schemas.microsoft.com/office/drawing/2014/main" id="{6DB91453-8A59-4C68-8446-66D7EE554D2B}"/>
+                <a16:creationId xmlns:a16="http://schemas.microsoft.com/office/drawing/2014/main" id="{5D3E7CC4-EC27-442F-BA09-58046DBB03D8}"/>
               </a:ext>
             </a:extLst>
           </p:cNvPr>
@@ -5725,7 +6185,10 @@
           <a:bodyPr/>
           <a:lstStyle/>
           <a:p>
-            <a:endParaRPr lang="en-US"/>
+            <a:r>
+              <a:rPr lang="en-US" dirty="0"/>
+              <a:t>2 rho’s</a:t>
+            </a:r>
           </a:p>
         </p:txBody>
       </p:sp>
@@ -5734,7 +6197,7 @@
           <p:cNvPr id="3" name="Content Placeholder 2">
             <a:extLst>
               <a:ext uri="{FF2B5EF4-FFF2-40B4-BE49-F238E27FC236}">
-                <a16:creationId xmlns:a16="http://schemas.microsoft.com/office/drawing/2014/main" id="{4D2BDDF8-81EC-4E58-9083-623568F6A947}"/>
+                <a16:creationId xmlns:a16="http://schemas.microsoft.com/office/drawing/2014/main" id="{9D6F03DC-621B-4568-9468-5811EF9BE1CB}"/>
               </a:ext>
             </a:extLst>
           </p:cNvPr>
@@ -5750,14 +6213,146 @@
           <a:bodyPr/>
           <a:lstStyle/>
           <a:p>
-            <a:endParaRPr lang="en-US"/>
+            <a:pPr marL="0" indent="0">
+              <a:buNone/>
+            </a:pPr>
+            <a:r>
+              <a:rPr lang="en-US" dirty="0"/>
+              <a:t>Convergence tuned to be much faster</a:t>
+            </a:r>
+          </a:p>
+          <a:p>
+            <a:r>
+              <a:rPr lang="en-US" sz="1200" dirty="0"/>
+              <a:t>According to lagrange multiplier magnitudes</a:t>
+            </a:r>
           </a:p>
         </p:txBody>
       </p:sp>
+      <p:pic>
+        <p:nvPicPr>
+          <p:cNvPr id="6" name="Picture 5" descr="Chart, line chart&#10;&#10;Description automatically generated">
+            <a:extLst>
+              <a:ext uri="{FF2B5EF4-FFF2-40B4-BE49-F238E27FC236}">
+                <a16:creationId xmlns:a16="http://schemas.microsoft.com/office/drawing/2014/main" id="{973A046E-5EA9-4269-BF4E-1266B3C53CEC}"/>
+              </a:ext>
+            </a:extLst>
+          </p:cNvPr>
+          <p:cNvPicPr>
+            <a:picLocks noChangeAspect="1"/>
+          </p:cNvPicPr>
+          <p:nvPr/>
+        </p:nvPicPr>
+        <p:blipFill>
+          <a:blip r:embed="rId2"/>
+          <a:stretch>
+            <a:fillRect/>
+          </a:stretch>
+        </p:blipFill>
+        <p:spPr>
+          <a:xfrm>
+            <a:off x="6482974" y="1384745"/>
+            <a:ext cx="2661025" cy="1900732"/>
+          </a:xfrm>
+          <a:prstGeom prst="rect">
+            <a:avLst/>
+          </a:prstGeom>
+        </p:spPr>
+      </p:pic>
+      <p:pic>
+        <p:nvPicPr>
+          <p:cNvPr id="15" name="Picture 14" descr="Chart, line chart&#10;&#10;Description automatically generated">
+            <a:extLst>
+              <a:ext uri="{FF2B5EF4-FFF2-40B4-BE49-F238E27FC236}">
+                <a16:creationId xmlns:a16="http://schemas.microsoft.com/office/drawing/2014/main" id="{444F4641-E084-446C-A037-5F6E19372174}"/>
+              </a:ext>
+            </a:extLst>
+          </p:cNvPr>
+          <p:cNvPicPr>
+            <a:picLocks noChangeAspect="1"/>
+          </p:cNvPicPr>
+          <p:nvPr/>
+        </p:nvPicPr>
+        <p:blipFill>
+          <a:blip r:embed="rId3"/>
+          <a:stretch>
+            <a:fillRect/>
+          </a:stretch>
+        </p:blipFill>
+        <p:spPr>
+          <a:xfrm>
+            <a:off x="3682906" y="3208020"/>
+            <a:ext cx="2709672" cy="1935480"/>
+          </a:xfrm>
+          <a:prstGeom prst="rect">
+            <a:avLst/>
+          </a:prstGeom>
+        </p:spPr>
+      </p:pic>
+      <p:pic>
+        <p:nvPicPr>
+          <p:cNvPr id="18" name="Picture 17" descr="Chart&#10;&#10;Description automatically generated">
+            <a:extLst>
+              <a:ext uri="{FF2B5EF4-FFF2-40B4-BE49-F238E27FC236}">
+                <a16:creationId xmlns:a16="http://schemas.microsoft.com/office/drawing/2014/main" id="{4668F48C-F399-4803-A7CA-4FE1EA2B3C18}"/>
+              </a:ext>
+            </a:extLst>
+          </p:cNvPr>
+          <p:cNvPicPr>
+            <a:picLocks noChangeAspect="1"/>
+          </p:cNvPicPr>
+          <p:nvPr/>
+        </p:nvPicPr>
+        <p:blipFill>
+          <a:blip r:embed="rId4"/>
+          <a:stretch>
+            <a:fillRect/>
+          </a:stretch>
+        </p:blipFill>
+        <p:spPr>
+          <a:xfrm>
+            <a:off x="3731554" y="1376411"/>
+            <a:ext cx="2661024" cy="1900732"/>
+          </a:xfrm>
+          <a:prstGeom prst="rect">
+            <a:avLst/>
+          </a:prstGeom>
+        </p:spPr>
+      </p:pic>
+      <p:pic>
+        <p:nvPicPr>
+          <p:cNvPr id="9" name="Picture 8" descr="Chart, line chart&#10;&#10;Description automatically generated">
+            <a:extLst>
+              <a:ext uri="{FF2B5EF4-FFF2-40B4-BE49-F238E27FC236}">
+                <a16:creationId xmlns:a16="http://schemas.microsoft.com/office/drawing/2014/main" id="{6884FBAB-8D23-446B-BCF0-52560A74BA00}"/>
+              </a:ext>
+            </a:extLst>
+          </p:cNvPr>
+          <p:cNvPicPr>
+            <a:picLocks noChangeAspect="1"/>
+          </p:cNvPicPr>
+          <p:nvPr/>
+        </p:nvPicPr>
+        <p:blipFill>
+          <a:blip r:embed="rId5"/>
+          <a:stretch>
+            <a:fillRect/>
+          </a:stretch>
+        </p:blipFill>
+        <p:spPr>
+          <a:xfrm>
+            <a:off x="6392578" y="3195908"/>
+            <a:ext cx="2751422" cy="1965302"/>
+          </a:xfrm>
+          <a:prstGeom prst="rect">
+            <a:avLst/>
+          </a:prstGeom>
+        </p:spPr>
+      </p:pic>
     </p:spTree>
     <p:extLst>
       <p:ext uri="{BB962C8B-B14F-4D97-AF65-F5344CB8AC3E}">
-        <p14:creationId xmlns:p14="http://schemas.microsoft.com/office/powerpoint/2010/main" val="1448095239"/>
+        <p14:creationId xmlns:p14="http://schemas.microsoft.com/office/powerpoint/2010/main" val="3394912370"/>
       </p:ext>
     </p:extLst>
   </p:cSld>
@@ -6111,18 +6706,18 @@
 </file>
 
 <file path=customXml/item1.xml><?xml version="1.0" encoding="utf-8"?>
-<p:properties xmlns:p="http://schemas.microsoft.com/office/2006/metadata/properties" xmlns:xsi="http://www.w3.org/2001/XMLSchema-instance" xmlns:pc="http://schemas.microsoft.com/office/infopath/2007/PartnerControls">
-  <documentManagement/>
-</p:properties>
-</file>
-
-<file path=customXml/item2.xml><?xml version="1.0" encoding="utf-8"?>
 <?mso-contentType ?>
 <FormTemplates xmlns="http://schemas.microsoft.com/sharepoint/v3/contenttype/forms">
   <Display>DocumentLibraryForm</Display>
   <Edit>DocumentLibraryForm</Edit>
   <New>DocumentLibraryForm</New>
 </FormTemplates>
+</file>
+
+<file path=customXml/item2.xml><?xml version="1.0" encoding="utf-8"?>
+<p:properties xmlns:p="http://schemas.microsoft.com/office/2006/metadata/properties" xmlns:xsi="http://www.w3.org/2001/XMLSchema-instance" xmlns:pc="http://schemas.microsoft.com/office/infopath/2007/PartnerControls">
+  <documentManagement/>
+</p:properties>
 </file>
 
 <file path=customXml/item3.xml><?xml version="1.0" encoding="utf-8"?>
@@ -6304,6 +6899,14 @@
 </file>
 
 <file path=customXml/itemProps1.xml><?xml version="1.0" encoding="utf-8"?>
+<ds:datastoreItem xmlns:ds="http://schemas.openxmlformats.org/officeDocument/2006/customXml" ds:itemID="{938E7945-E5DA-4D47-88B8-516D67DFC100}">
+  <ds:schemaRefs>
+    <ds:schemaRef ds:uri="http://schemas.microsoft.com/sharepoint/v3/contenttype/forms"/>
+  </ds:schemaRefs>
+</ds:datastoreItem>
+</file>
+
+<file path=customXml/itemProps2.xml><?xml version="1.0" encoding="utf-8"?>
 <ds:datastoreItem xmlns:ds="http://schemas.openxmlformats.org/officeDocument/2006/customXml" ds:itemID="{CC65EBA1-506D-4222-9657-0050D9B8735B}">
   <ds:schemaRefs>
     <ds:schemaRef ds:uri="http://schemas.microsoft.com/office/2006/metadata/properties"/>
@@ -6312,28 +6915,20 @@
 </ds:datastoreItem>
 </file>
 
-<file path=customXml/itemProps2.xml><?xml version="1.0" encoding="utf-8"?>
-<ds:datastoreItem xmlns:ds="http://schemas.openxmlformats.org/officeDocument/2006/customXml" ds:itemID="{938E7945-E5DA-4D47-88B8-516D67DFC100}">
-  <ds:schemaRefs>
-    <ds:schemaRef ds:uri="http://schemas.microsoft.com/sharepoint/v3/contenttype/forms"/>
-  </ds:schemaRefs>
-</ds:datastoreItem>
-</file>
-
 <file path=customXml/itemProps3.xml><?xml version="1.0" encoding="utf-8"?>
 <ds:datastoreItem xmlns:ds="http://schemas.openxmlformats.org/officeDocument/2006/customXml" ds:itemID="{16ABB917-64F5-4455-B053-B6C53509B72E}">
   <ds:schemaRefs>
+    <ds:schemaRef ds:uri="http://schemas.microsoft.com/office/2006/metadata/contentType"/>
+    <ds:schemaRef ds:uri="http://schemas.microsoft.com/office/2006/metadata/properties/metaAttributes"/>
+    <ds:schemaRef ds:uri="http://www.w3.org/2001/XMLSchema"/>
+    <ds:schemaRef ds:uri="http://schemas.microsoft.com/office/2006/metadata/properties"/>
     <ds:schemaRef ds:uri="6000e060-03b8-4b5a-b938-e5b3a17c162b"/>
+    <ds:schemaRef ds:uri="http://schemas.microsoft.com/office/2006/documentManagement/types"/>
+    <ds:schemaRef ds:uri="http://schemas.microsoft.com/office/infopath/2007/PartnerControls"/>
+    <ds:schemaRef ds:uri="http://schemas.openxmlformats.org/package/2006/metadata/core-properties"/>
     <ds:schemaRef ds:uri="http://purl.org/dc/elements/1.1/"/>
     <ds:schemaRef ds:uri="http://purl.org/dc/terms/"/>
     <ds:schemaRef ds:uri="http://schemas.microsoft.com/internal/obd"/>
-    <ds:schemaRef ds:uri="http://schemas.microsoft.com/office/2006/documentManagement/types"/>
-    <ds:schemaRef ds:uri="http://schemas.microsoft.com/office/2006/metadata/contentType"/>
-    <ds:schemaRef ds:uri="http://schemas.microsoft.com/office/2006/metadata/properties"/>
-    <ds:schemaRef ds:uri="http://schemas.microsoft.com/office/2006/metadata/properties/metaAttributes"/>
-    <ds:schemaRef ds:uri="http://schemas.microsoft.com/office/infopath/2007/PartnerControls"/>
-    <ds:schemaRef ds:uri="http://schemas.openxmlformats.org/package/2006/metadata/core-properties"/>
-    <ds:schemaRef ds:uri="http://www.w3.org/2001/XMLSchema"/>
   </ds:schemaRefs>
 </ds:datastoreItem>
 </file>
--- a/Admin/Escape Results.pptx
+++ b/Admin/Escape Results.pptx
@@ -143,8 +143,7 @@
 <file path=ppt/revisionInfo.xml><?xml version="1.0" encoding="utf-8"?>
 <p1510:revInfo xmlns:a="http://schemas.openxmlformats.org/drawingml/2006/main" xmlns:r="http://schemas.openxmlformats.org/officeDocument/2006/relationships" xmlns:p1510="http://schemas.microsoft.com/office/powerpoint/2015/10/main">
   <p1510:revLst>
-    <p1510:client id="{704B145F-6933-DEAF-6710-4A012571D9BC}" v="3" dt="2020-10-16T20:50:57.095"/>
-    <p1510:client id="{F817BABB-CBA7-448D-9D58-A32A2DB79D75}" v="717" dt="2020-10-16T20:38:14.753"/>
+    <p1510:client id="{03E3EF4C-2CDB-4F82-A033-1F31A4F987E8}" v="6" dt="2020-11-17T19:03:51.786"/>
   </p1510:revLst>
 </p1510:revInfo>
 </file>
@@ -2628,6 +2627,86 @@
           </pc:spChg>
         </pc:sldLayoutChg>
       </pc:sldMasterChg>
+    </pc:docChg>
+  </pc:docChgLst>
+  <pc:docChgLst>
+    <pc:chgData name="Sandeep Prakash" userId="5b362298-5542-405f-bec6-c788e8033232" providerId="ADAL" clId="{03E3EF4C-2CDB-4F82-A033-1F31A4F987E8}"/>
+    <pc:docChg chg="delSld modSld">
+      <pc:chgData name="Sandeep Prakash" userId="5b362298-5542-405f-bec6-c788e8033232" providerId="ADAL" clId="{03E3EF4C-2CDB-4F82-A033-1F31A4F987E8}" dt="2020-11-19T11:21:57.208" v="6" actId="2696"/>
+      <pc:docMkLst>
+        <pc:docMk/>
+      </pc:docMkLst>
+      <pc:sldChg chg="addSp delSp modSp del">
+        <pc:chgData name="Sandeep Prakash" userId="5b362298-5542-405f-bec6-c788e8033232" providerId="ADAL" clId="{03E3EF4C-2CDB-4F82-A033-1F31A4F987E8}" dt="2020-11-19T11:21:57.208" v="6" actId="2696"/>
+        <pc:sldMkLst>
+          <pc:docMk/>
+          <pc:sldMk cId="1361687131" sldId="282"/>
+        </pc:sldMkLst>
+        <pc:grpChg chg="del mod">
+          <ac:chgData name="Sandeep Prakash" userId="5b362298-5542-405f-bec6-c788e8033232" providerId="ADAL" clId="{03E3EF4C-2CDB-4F82-A033-1F31A4F987E8}" dt="2020-11-17T19:03:51.786" v="5"/>
+          <ac:grpSpMkLst>
+            <pc:docMk/>
+            <pc:sldMk cId="1361687131" sldId="282"/>
+            <ac:grpSpMk id="6" creationId="{DE960A00-5C77-4C82-8153-AC94534001EA}"/>
+          </ac:grpSpMkLst>
+        </pc:grpChg>
+        <pc:grpChg chg="mod">
+          <ac:chgData name="Sandeep Prakash" userId="5b362298-5542-405f-bec6-c788e8033232" providerId="ADAL" clId="{03E3EF4C-2CDB-4F82-A033-1F31A4F987E8}" dt="2020-11-17T19:03:51.786" v="5"/>
+          <ac:grpSpMkLst>
+            <pc:docMk/>
+            <pc:sldMk cId="1361687131" sldId="282"/>
+            <ac:grpSpMk id="9" creationId="{D5D33D0A-2DB9-418C-8F29-4096629B8E0F}"/>
+          </ac:grpSpMkLst>
+        </pc:grpChg>
+        <pc:inkChg chg="add mod">
+          <ac:chgData name="Sandeep Prakash" userId="5b362298-5542-405f-bec6-c788e8033232" providerId="ADAL" clId="{03E3EF4C-2CDB-4F82-A033-1F31A4F987E8}" dt="2020-11-17T19:03:51.786" v="5"/>
+          <ac:inkMkLst>
+            <pc:docMk/>
+            <pc:sldMk cId="1361687131" sldId="282"/>
+            <ac:inkMk id="4" creationId="{EDDD7F39-BA39-4C23-8031-7AEC8A9453AE}"/>
+          </ac:inkMkLst>
+        </pc:inkChg>
+        <pc:inkChg chg="add mod">
+          <ac:chgData name="Sandeep Prakash" userId="5b362298-5542-405f-bec6-c788e8033232" providerId="ADAL" clId="{03E3EF4C-2CDB-4F82-A033-1F31A4F987E8}" dt="2020-11-17T19:03:51.786" v="5"/>
+          <ac:inkMkLst>
+            <pc:docMk/>
+            <pc:sldMk cId="1361687131" sldId="282"/>
+            <ac:inkMk id="5" creationId="{2070BD7D-3C8D-47F5-B498-75D95FCDA6C3}"/>
+          </ac:inkMkLst>
+        </pc:inkChg>
+        <pc:inkChg chg="add mod">
+          <ac:chgData name="Sandeep Prakash" userId="5b362298-5542-405f-bec6-c788e8033232" providerId="ADAL" clId="{03E3EF4C-2CDB-4F82-A033-1F31A4F987E8}" dt="2020-11-17T19:03:51.786" v="5"/>
+          <ac:inkMkLst>
+            <pc:docMk/>
+            <pc:sldMk cId="1361687131" sldId="282"/>
+            <ac:inkMk id="7" creationId="{1B5F235E-9038-4D5F-AACE-80FFB72DAEA3}"/>
+          </ac:inkMkLst>
+        </pc:inkChg>
+        <pc:inkChg chg="add mod">
+          <ac:chgData name="Sandeep Prakash" userId="5b362298-5542-405f-bec6-c788e8033232" providerId="ADAL" clId="{03E3EF4C-2CDB-4F82-A033-1F31A4F987E8}" dt="2020-11-17T19:03:51.786" v="5"/>
+          <ac:inkMkLst>
+            <pc:docMk/>
+            <pc:sldMk cId="1361687131" sldId="282"/>
+            <ac:inkMk id="8" creationId="{953C0186-3F9F-4237-AECC-765A45061AB7}"/>
+          </ac:inkMkLst>
+        </pc:inkChg>
+      </pc:sldChg>
+    </pc:docChg>
+  </pc:docChgLst>
+  <pc:docChgLst>
+    <pc:chgData name="Sandeep Prakash" userId="5b362298-5542-405f-bec6-c788e8033232" providerId="ADAL" clId="{921EC99E-2E82-7F46-982F-8C0F6659A9D0}"/>
+    <pc:docChg chg="addSld">
+      <pc:chgData name="Sandeep Prakash" userId="5b362298-5542-405f-bec6-c788e8033232" providerId="ADAL" clId="{921EC99E-2E82-7F46-982F-8C0F6659A9D0}" dt="2020-11-17T19:01:01.162" v="0" actId="680"/>
+      <pc:docMkLst>
+        <pc:docMk/>
+      </pc:docMkLst>
+      <pc:sldChg chg="new">
+        <pc:chgData name="Sandeep Prakash" userId="5b362298-5542-405f-bec6-c788e8033232" providerId="ADAL" clId="{921EC99E-2E82-7F46-982F-8C0F6659A9D0}" dt="2020-11-17T19:01:01.162" v="0" actId="680"/>
+        <pc:sldMkLst>
+          <pc:docMk/>
+          <pc:sldMk cId="1361687131" sldId="282"/>
+        </pc:sldMkLst>
+      </pc:sldChg>
     </pc:docChg>
   </pc:docChgLst>
   <pc:docChgLst>
@@ -5073,10 +5152,10 @@
           <a:lstStyle/>
           <a:p>
             <a:r>
-              <a:rPr lang="en-US" sz="2800" b="0" dirty="0"/>
+              <a:rPr lang="en-US" sz="2800" b="0"/>
               <a:t>Distributed optimization using ADMM </a:t>
             </a:r>
-            <a:endParaRPr lang="nb-NO" sz="2800" dirty="0"/>
+            <a:endParaRPr lang="nb-NO" sz="2800"/>
           </a:p>
         </p:txBody>
       </p:sp>
@@ -5103,7 +5182,7 @@
           <a:lstStyle/>
           <a:p>
             <a:r>
-              <a:rPr lang="nb-NO" sz="1800" dirty="0"/>
+              <a:rPr lang="nb-NO" sz="1800"/>
               <a:t>A general approach for decomposing multi-stage NLP</a:t>
             </a:r>
           </a:p>
@@ -5364,7 +5443,7 @@
           </a:lstStyle>
           <a:p>
             <a:r>
-              <a:rPr lang="nb-NO" sz="1800" dirty="0"/>
+              <a:rPr lang="nb-NO" sz="1800"/>
               <a:t>Sandeep Prakash</a:t>
             </a:r>
           </a:p>
@@ -5422,14 +5501,14 @@
           <a:lstStyle/>
           <a:p>
             <a:r>
-              <a:rPr lang="en-US" dirty="0"/>
+              <a:rPr lang="en-US"/>
               <a:t>ADMM convergence</a:t>
             </a:r>
             <a:r>
-              <a:rPr lang="en-US" sz="1600" dirty="0"/>
+              <a:rPr lang="en-US" sz="1600"/>
               <a:t> </a:t>
             </a:r>
-            <a:endParaRPr lang="en-US" dirty="0"/>
+            <a:endParaRPr lang="en-US"/>
           </a:p>
         </p:txBody>
       </p:sp>
@@ -5458,13 +5537,13 @@
               <a:buNone/>
             </a:pPr>
             <a:r>
-              <a:rPr lang="en-US" dirty="0"/>
+              <a:rPr lang="en-US"/>
               <a:t>Convergence speed improved by having separate tuning parameters</a:t>
             </a:r>
           </a:p>
           <a:p>
             <a:r>
-              <a:rPr lang="en-US" sz="1200" dirty="0"/>
+              <a:rPr lang="en-US" sz="1200"/>
               <a:t>Chosen according to lagrange multiplier of linking constraints</a:t>
             </a:r>
           </a:p>
@@ -5672,7 +5751,7 @@
           <a:lstStyle/>
           <a:p>
             <a:r>
-              <a:rPr lang="en-US" dirty="0"/>
+              <a:rPr lang="en-US"/>
               <a:t>Example – SX2,PX3</a:t>
             </a:r>
           </a:p>
@@ -5700,15 +5779,15 @@
           <a:lstStyle/>
           <a:p>
             <a:r>
-              <a:rPr lang="en-US" dirty="0"/>
+              <a:rPr lang="en-US"/>
               <a:t>Converges fairly fast (around 50 </a:t>
             </a:r>
             <a:r>
-              <a:rPr lang="en-US" dirty="0" err="1"/>
+              <a:rPr lang="en-US" err="1"/>
               <a:t>iters</a:t>
             </a:r>
             <a:r>
-              <a:rPr lang="en-US" dirty="0"/>
+              <a:rPr lang="en-US"/>
               <a:t>)</a:t>
             </a:r>
           </a:p>
@@ -5891,7 +5970,7 @@
           <a:lstStyle/>
           <a:p>
             <a:r>
-              <a:rPr lang="en-US" sz="1800" dirty="0"/>
+              <a:rPr lang="en-US" sz="1800"/>
               <a:t>PhD theme – Production Optimization with Degrading Equipment</a:t>
             </a:r>
           </a:p>
@@ -5919,14 +5998,14 @@
           <a:lstStyle/>
           <a:p>
             <a:r>
-              <a:rPr lang="en-US" dirty="0"/>
+              <a:rPr lang="en-US"/>
               <a:t>Using ADMM for linking a discontinuous profile (Maintenance planning case)</a:t>
             </a:r>
           </a:p>
           <a:p>
             <a:pPr lvl="1"/>
             <a:r>
-              <a:rPr lang="en-US" dirty="0"/>
+              <a:rPr lang="en-US"/>
               <a:t>Fixed number of discontinuities</a:t>
             </a:r>
           </a:p>
@@ -6117,7 +6196,7 @@
           <a:lstStyle/>
           <a:p>
             <a:r>
-              <a:rPr lang="en-US" dirty="0">
+              <a:rPr lang="en-US">
                 <a:solidFill>
                   <a:srgbClr val="FF0000"/>
                 </a:solidFill>
@@ -6125,7 +6204,7 @@
               <a:t>f</a:t>
             </a:r>
             <a:r>
-              <a:rPr lang="en-US" baseline="-25000" dirty="0">
+              <a:rPr lang="en-US" baseline="-25000">
                 <a:solidFill>
                   <a:srgbClr val="FF0000"/>
                 </a:solidFill>
@@ -6133,7 +6212,7 @@
               <a:t>1</a:t>
             </a:r>
             <a:r>
-              <a:rPr lang="en-US" dirty="0">
+              <a:rPr lang="en-US">
                 <a:solidFill>
                   <a:srgbClr val="FF0000"/>
                 </a:solidFill>
@@ -6141,7 +6220,7 @@
               <a:t>(x</a:t>
             </a:r>
             <a:r>
-              <a:rPr lang="en-US" baseline="-25000" dirty="0">
+              <a:rPr lang="en-US" baseline="-25000">
                 <a:solidFill>
                   <a:srgbClr val="FF0000"/>
                 </a:solidFill>
@@ -6149,7 +6228,7 @@
               <a:t>1</a:t>
             </a:r>
             <a:r>
-              <a:rPr lang="en-US" dirty="0">
+              <a:rPr lang="en-US">
                 <a:solidFill>
                   <a:srgbClr val="FF0000"/>
                 </a:solidFill>
@@ -6188,7 +6267,7 @@
           <a:lstStyle/>
           <a:p>
             <a:r>
-              <a:rPr lang="en-US" dirty="0">
+              <a:rPr lang="en-US">
                 <a:solidFill>
                   <a:srgbClr val="00B050"/>
                 </a:solidFill>
@@ -6196,7 +6275,7 @@
               <a:t>f</a:t>
             </a:r>
             <a:r>
-              <a:rPr lang="en-US" baseline="-25000" dirty="0">
+              <a:rPr lang="en-US" baseline="-25000">
                 <a:solidFill>
                   <a:srgbClr val="00B050"/>
                 </a:solidFill>
@@ -6204,7 +6283,7 @@
               <a:t>2</a:t>
             </a:r>
             <a:r>
-              <a:rPr lang="en-US" dirty="0">
+              <a:rPr lang="en-US">
                 <a:solidFill>
                   <a:srgbClr val="00B050"/>
                 </a:solidFill>
@@ -6212,7 +6291,7 @@
               <a:t>(x</a:t>
             </a:r>
             <a:r>
-              <a:rPr lang="en-US" baseline="-25000" dirty="0">
+              <a:rPr lang="en-US" baseline="-25000">
                 <a:solidFill>
                   <a:srgbClr val="00B050"/>
                 </a:solidFill>
@@ -6220,7 +6299,7 @@
               <a:t>2</a:t>
             </a:r>
             <a:r>
-              <a:rPr lang="en-US" dirty="0">
+              <a:rPr lang="en-US">
                 <a:solidFill>
                   <a:srgbClr val="00B050"/>
                 </a:solidFill>
@@ -6258,7 +6337,7 @@
           <a:graphicData uri="http://schemas.openxmlformats.org/presentationml/2006/ole">
             <mc:AlternateContent xmlns:mc="http://schemas.openxmlformats.org/markup-compatibility/2006">
               <mc:Choice xmlns:v="urn:schemas-microsoft-com:vml" Requires="v">
-                <p:oleObj spid="_x0000_s3076" name="Equation" r:id="rId4" imgW="2374560" imgH="2616120" progId="Equation.DSMT4">
+                <p:oleObj spid="_x0000_s3074" name="Equation" r:id="rId4" imgW="2374560" imgH="2616120" progId="Equation.DSMT4">
                   <p:embed/>
                 </p:oleObj>
               </mc:Choice>
@@ -6328,7 +6407,7 @@
           <a:lstStyle/>
           <a:p>
             <a:r>
-              <a:rPr lang="en-US" dirty="0">
+              <a:rPr lang="en-US">
                 <a:solidFill>
                   <a:srgbClr val="FF0000"/>
                 </a:solidFill>
@@ -6338,7 +6417,7 @@
           </a:p>
           <a:p>
             <a:r>
-              <a:rPr lang="en-US" dirty="0">
+              <a:rPr lang="en-US">
                 <a:solidFill>
                   <a:srgbClr val="FF0000"/>
                 </a:solidFill>
@@ -6483,7 +6562,7 @@
           <a:lstStyle/>
           <a:p>
             <a:r>
-              <a:rPr lang="en-US" sz="1200" dirty="0"/>
+              <a:rPr lang="en-US" sz="1200"/>
               <a:t>Linear complicating constraints for ADMM algo</a:t>
             </a:r>
           </a:p>
@@ -6945,14 +7024,14 @@
           <a:lstStyle/>
           <a:p>
             <a:r>
-              <a:rPr lang="en-US" dirty="0"/>
+              <a:rPr lang="en-US"/>
               <a:t>PhD theme – </a:t>
             </a:r>
             <a:r>
-              <a:rPr lang="en-US" sz="1800" dirty="0"/>
+              <a:rPr lang="en-US" sz="1800"/>
               <a:t>Production Optimization with Degrading Equipment</a:t>
             </a:r>
-            <a:endParaRPr lang="en-US" dirty="0"/>
+            <a:endParaRPr lang="en-US"/>
           </a:p>
         </p:txBody>
       </p:sp>
@@ -6981,11 +7060,11 @@
               <a:buNone/>
             </a:pPr>
             <a:r>
-              <a:rPr lang="en-US" dirty="0"/>
+              <a:rPr lang="en-US"/>
               <a:t>Bring NLPs to planning layers </a:t>
             </a:r>
             <a:r>
-              <a:rPr lang="en-US" sz="1400" dirty="0"/>
+              <a:rPr lang="en-US" sz="1400"/>
               <a:t>(the little people)</a:t>
             </a:r>
           </a:p>
@@ -6993,79 +7072,79 @@
             <a:pPr marL="0" indent="0">
               <a:buNone/>
             </a:pPr>
-            <a:endParaRPr lang="en-US" dirty="0"/>
+            <a:endParaRPr lang="en-US"/>
           </a:p>
           <a:p>
             <a:pPr marL="0" indent="0">
               <a:buNone/>
             </a:pPr>
             <a:r>
-              <a:rPr lang="en-US" dirty="0"/>
+              <a:rPr lang="en-US"/>
               <a:t>Concepts I know just enough to be totally confused about now</a:t>
             </a:r>
           </a:p>
           <a:p>
             <a:r>
-              <a:rPr lang="en-US" dirty="0"/>
+              <a:rPr lang="en-US"/>
               <a:t>MPEC </a:t>
             </a:r>
           </a:p>
           <a:p>
             <a:pPr lvl="1"/>
             <a:r>
-              <a:rPr lang="en-US" sz="1400" dirty="0"/>
+              <a:rPr lang="en-US" sz="1400"/>
               <a:t>for integer variables in a planning formulation ?</a:t>
             </a:r>
           </a:p>
           <a:p>
-            <a:endParaRPr lang="en-US" dirty="0"/>
-          </a:p>
-          <a:p>
-            <a:r>
-              <a:rPr lang="en-US" dirty="0"/>
+            <a:endParaRPr lang="en-US"/>
+          </a:p>
+          <a:p>
+            <a:r>
+              <a:rPr lang="en-US"/>
               <a:t>Internal Decomposition </a:t>
             </a:r>
             <a:r>
-              <a:rPr lang="en-US" sz="1400" dirty="0"/>
+              <a:rPr lang="en-US" sz="1400"/>
               <a:t>(Carl Laird and co)</a:t>
             </a:r>
-            <a:endParaRPr lang="en-US" dirty="0"/>
+            <a:endParaRPr lang="en-US"/>
           </a:p>
           <a:p>
             <a:pPr lvl="1"/>
             <a:r>
-              <a:rPr lang="en-US" sz="1400" dirty="0"/>
+              <a:rPr lang="en-US" sz="1400"/>
               <a:t>Exploit KKT matrix block structure to make it parallelizable ?</a:t>
             </a:r>
           </a:p>
           <a:p>
-            <a:endParaRPr lang="en-US" dirty="0"/>
-          </a:p>
-          <a:p>
-            <a:r>
-              <a:rPr lang="en-US" dirty="0"/>
+            <a:endParaRPr lang="en-US"/>
+          </a:p>
+          <a:p>
+            <a:r>
+              <a:rPr lang="en-US"/>
               <a:t>Reduced models</a:t>
             </a:r>
           </a:p>
           <a:p>
             <a:pPr lvl="1"/>
             <a:r>
-              <a:rPr lang="en-US" sz="1400" dirty="0"/>
+              <a:rPr lang="en-US" sz="1400"/>
               <a:t>To represent a nonlinear dynamic process as LP in a planning MPEC problem ? </a:t>
             </a:r>
           </a:p>
           <a:p>
             <a:pPr lvl="1"/>
-            <a:endParaRPr lang="en-US" sz="1400" dirty="0"/>
-          </a:p>
-          <a:p>
-            <a:r>
-              <a:rPr lang="en-US" dirty="0"/>
+            <a:endParaRPr lang="en-US" sz="1400"/>
+          </a:p>
+          <a:p>
+            <a:r>
+              <a:rPr lang="en-US"/>
               <a:t>Sensitivities</a:t>
             </a:r>
           </a:p>
           <a:p>
-            <a:endParaRPr lang="en-US" sz="1600" dirty="0"/>
+            <a:endParaRPr lang="en-US" sz="1600"/>
           </a:p>
         </p:txBody>
       </p:sp>
@@ -7422,7 +7501,7 @@
           <a:lstStyle/>
           <a:p>
             <a:r>
-              <a:rPr lang="en-US" dirty="0"/>
+              <a:rPr lang="en-US"/>
               <a:t>BACKUP SLIDES</a:t>
             </a:r>
           </a:p>
@@ -7510,7 +7589,7 @@
           <a:lstStyle/>
           <a:p>
             <a:r>
-              <a:rPr lang="en-US" sz="2000" dirty="0"/>
+              <a:rPr lang="en-US" sz="2000"/>
               <a:t>Understanding the links between these established concepts</a:t>
             </a:r>
           </a:p>
@@ -7538,23 +7617,23 @@
           <a:lstStyle/>
           <a:p>
             <a:r>
-              <a:rPr lang="en-US" dirty="0"/>
+              <a:rPr lang="en-US"/>
               <a:t>Quadratic penalty methods</a:t>
             </a:r>
           </a:p>
           <a:p>
-            <a:endParaRPr lang="en-US" dirty="0"/>
-          </a:p>
-          <a:p>
-            <a:r>
-              <a:rPr lang="en-US" dirty="0"/>
+            <a:endParaRPr lang="en-US"/>
+          </a:p>
+          <a:p>
+            <a:r>
+              <a:rPr lang="en-US"/>
               <a:t>Interior point method</a:t>
             </a:r>
           </a:p>
           <a:p>
             <a:pPr lvl="1"/>
             <a:r>
-              <a:rPr lang="en-US" dirty="0"/>
+              <a:rPr lang="en-US"/>
               <a:t>Barrier term updates</a:t>
             </a:r>
           </a:p>
@@ -7562,16 +7641,16 @@
             <a:pPr marL="0" indent="0">
               <a:buNone/>
             </a:pPr>
-            <a:endParaRPr lang="en-US" dirty="0"/>
-          </a:p>
-          <a:p>
-            <a:r>
-              <a:rPr lang="en-US" dirty="0"/>
+            <a:endParaRPr lang="en-US"/>
+          </a:p>
+          <a:p>
+            <a:r>
+              <a:rPr lang="en-US"/>
               <a:t>ALADIN Algo for distributed nonconvex optimization ??</a:t>
             </a:r>
           </a:p>
           <a:p>
-            <a:endParaRPr lang="en-US" dirty="0"/>
+            <a:endParaRPr lang="en-US"/>
           </a:p>
         </p:txBody>
       </p:sp>
@@ -7960,7 +8039,7 @@
               <a:buNone/>
             </a:pPr>
             <a:r>
-              <a:rPr lang="en-US" dirty="0"/>
+              <a:rPr lang="en-US"/>
               <a:t>Sx2,Px3 case. 100 iterations</a:t>
             </a:r>
           </a:p>
@@ -8536,15 +8615,15 @@
           <a:lstStyle/>
           <a:p>
             <a:r>
-              <a:rPr lang="en-US" dirty="0"/>
+              <a:rPr lang="en-US"/>
               <a:t>Using </a:t>
             </a:r>
             <a:r>
-              <a:rPr lang="en-US" dirty="0" err="1"/>
+              <a:rPr lang="en-US" err="1"/>
               <a:t>Ipopt</a:t>
             </a:r>
             <a:r>
-              <a:rPr lang="en-US" dirty="0"/>
+              <a:rPr lang="en-US"/>
               <a:t> to directly model a discontinuity</a:t>
             </a:r>
           </a:p>
@@ -8574,7 +8653,7 @@
           <a:lstStyle/>
           <a:p>
             <a:r>
-              <a:rPr lang="en-US" dirty="0"/>
+              <a:rPr lang="en-US"/>
               <a:t>Fixed number of Finite elements, but Time added as a variable</a:t>
             </a:r>
           </a:p>
@@ -8583,33 +8662,33 @@
               <a:buNone/>
             </a:pPr>
             <a:r>
-              <a:rPr lang="en-US" dirty="0"/>
+              <a:rPr lang="en-US"/>
               <a:t>Testing code using Vander Pol oscillator</a:t>
             </a:r>
             <a:r>
-              <a:rPr lang="en-US" sz="1200" dirty="0"/>
+              <a:rPr lang="en-US" sz="1200"/>
               <a:t> (p = 1, Initial Value (0,1))</a:t>
             </a:r>
-            <a:endParaRPr lang="en-US" dirty="0"/>
+            <a:endParaRPr lang="en-US"/>
           </a:p>
           <a:p>
             <a:pPr marL="0" indent="0">
               <a:buNone/>
             </a:pPr>
-            <a:endParaRPr lang="en-US" dirty="0"/>
+            <a:endParaRPr lang="en-US"/>
           </a:p>
           <a:p>
             <a:pPr marL="0" indent="0">
               <a:buNone/>
             </a:pPr>
-            <a:endParaRPr lang="en-US" dirty="0"/>
+            <a:endParaRPr lang="en-US"/>
           </a:p>
           <a:p>
             <a:pPr marL="0" indent="0">
               <a:buNone/>
             </a:pPr>
             <a:r>
-              <a:rPr lang="en-US" dirty="0"/>
+              <a:rPr lang="en-US"/>
               <a:t>Top fig – T1,T2 fixed @ 10</a:t>
             </a:r>
           </a:p>
@@ -8618,7 +8697,7 @@
               <a:buNone/>
             </a:pPr>
             <a:r>
-              <a:rPr lang="en-US" dirty="0"/>
+              <a:rPr lang="en-US"/>
               <a:t>Bottom –  9&lt;=T1/T2 &lt;=11</a:t>
             </a:r>
           </a:p>
@@ -8626,18 +8705,18 @@
             <a:pPr marL="0" indent="0">
               <a:buNone/>
             </a:pPr>
-            <a:endParaRPr lang="en-US" dirty="0"/>
+            <a:endParaRPr lang="en-US"/>
           </a:p>
           <a:p>
             <a:pPr marL="0" indent="0">
               <a:buNone/>
             </a:pPr>
             <a:r>
-              <a:rPr lang="en-US" dirty="0" err="1"/>
+              <a:rPr lang="en-US" err="1"/>
               <a:t>Ipopt</a:t>
             </a:r>
             <a:r>
-              <a:rPr lang="en-US" dirty="0"/>
+              <a:rPr lang="en-US"/>
               <a:t> struggles a bit, but able to reach a solution</a:t>
             </a:r>
           </a:p>
@@ -8962,10 +9041,10 @@
           <a:lstStyle/>
           <a:p>
             <a:r>
-              <a:rPr lang="en-US" sz="2800" b="0" dirty="0"/>
+              <a:rPr lang="en-US" sz="2800" b="0"/>
               <a:t>Distributed optimization using ADMM </a:t>
             </a:r>
-            <a:endParaRPr lang="nb-NO" sz="2800" dirty="0"/>
+            <a:endParaRPr lang="nb-NO" sz="2800"/>
           </a:p>
         </p:txBody>
       </p:sp>
@@ -8992,7 +9071,7 @@
           <a:lstStyle/>
           <a:p>
             <a:r>
-              <a:rPr lang="nb-NO" sz="1800" dirty="0"/>
+              <a:rPr lang="nb-NO" sz="1800"/>
               <a:t>A general approach for decomposing multi-stage NLP</a:t>
             </a:r>
           </a:p>
@@ -9253,21 +9332,21 @@
           </a:lstStyle>
           <a:p>
             <a:r>
-              <a:rPr lang="nb-NO" sz="1800" dirty="0"/>
+              <a:rPr lang="nb-NO" sz="1800"/>
               <a:t>Sandeep Prakash</a:t>
             </a:r>
           </a:p>
           <a:p>
             <a:r>
-              <a:rPr lang="nb-NO" sz="1800" dirty="0"/>
+              <a:rPr lang="nb-NO" sz="1800"/>
               <a:t>Meeting </a:t>
             </a:r>
             <a:r>
-              <a:rPr lang="nb-NO" sz="1800" dirty="0" err="1"/>
+              <a:rPr lang="nb-NO" sz="1800" err="1"/>
               <a:t>with</a:t>
             </a:r>
             <a:r>
-              <a:rPr lang="nb-NO" sz="1800" dirty="0"/>
+              <a:rPr lang="nb-NO" sz="1800"/>
               <a:t> Larry 16/10/2020</a:t>
             </a:r>
           </a:p>
@@ -9325,14 +9404,14 @@
           <a:lstStyle/>
           <a:p>
             <a:r>
-              <a:rPr lang="en-US" dirty="0"/>
+              <a:rPr lang="en-US"/>
               <a:t>My Story… </a:t>
             </a:r>
             <a:r>
-              <a:rPr lang="en-US" sz="1800" dirty="0"/>
+              <a:rPr lang="en-US" sz="1800"/>
               <a:t>So far</a:t>
             </a:r>
-            <a:endParaRPr lang="en-US" dirty="0"/>
+            <a:endParaRPr lang="en-US"/>
           </a:p>
         </p:txBody>
       </p:sp>
@@ -9361,7 +9440,7 @@
               <a:buNone/>
             </a:pPr>
             <a:r>
-              <a:rPr lang="en-US" dirty="0"/>
+              <a:rPr lang="en-US"/>
               <a:t>Optimal Control of a TES system</a:t>
             </a:r>
           </a:p>
@@ -9370,35 +9449,35 @@
               <a:buNone/>
             </a:pPr>
             <a:r>
-              <a:rPr lang="en-US" dirty="0"/>
+              <a:rPr lang="en-US"/>
               <a:t>- NLP </a:t>
             </a:r>
             <a:r>
-              <a:rPr lang="en-US" sz="1200" dirty="0"/>
+              <a:rPr lang="en-US" sz="1200"/>
               <a:t>(and throw it all into </a:t>
             </a:r>
             <a:r>
-              <a:rPr lang="en-US" sz="1200" dirty="0" err="1"/>
+              <a:rPr lang="en-US" sz="1200" err="1"/>
               <a:t>Ipopt</a:t>
             </a:r>
             <a:r>
-              <a:rPr lang="en-US" sz="1200" dirty="0"/>
+              <a:rPr lang="en-US" sz="1200"/>
               <a:t>)</a:t>
             </a:r>
-            <a:endParaRPr lang="en-US" dirty="0"/>
+            <a:endParaRPr lang="en-US"/>
           </a:p>
           <a:p>
             <a:pPr marL="0" indent="0">
               <a:buNone/>
             </a:pPr>
-            <a:endParaRPr lang="en-US" dirty="0"/>
+            <a:endParaRPr lang="en-US"/>
           </a:p>
           <a:p>
             <a:pPr marL="0" indent="0">
               <a:buNone/>
             </a:pPr>
             <a:r>
-              <a:rPr lang="en-US" dirty="0"/>
+              <a:rPr lang="en-US"/>
               <a:t>Optimal Design</a:t>
             </a:r>
           </a:p>
@@ -9407,15 +9486,15 @@
               <a:buNone/>
             </a:pPr>
             <a:r>
-              <a:rPr lang="en-US" dirty="0"/>
+              <a:rPr lang="en-US"/>
               <a:t>- LP</a:t>
             </a:r>
             <a:r>
-              <a:rPr lang="en-US" sz="1200" dirty="0"/>
+              <a:rPr lang="en-US" sz="1200"/>
               <a:t> (many scenarios and long horizons)</a:t>
             </a:r>
             <a:r>
-              <a:rPr lang="en-US" dirty="0"/>
+              <a:rPr lang="en-US"/>
               <a:t> </a:t>
             </a:r>
           </a:p>
@@ -9424,7 +9503,7 @@
               <a:buNone/>
             </a:pPr>
             <a:r>
-              <a:rPr lang="en-US" sz="1400" dirty="0"/>
+              <a:rPr lang="en-US" sz="1400"/>
               <a:t>- Unhappy with the linear approximations, but hard to solve the very large NLP otherwise</a:t>
             </a:r>
           </a:p>
@@ -9432,38 +9511,38 @@
             <a:pPr marL="0" indent="0">
               <a:buNone/>
             </a:pPr>
-            <a:endParaRPr lang="en-US" dirty="0"/>
+            <a:endParaRPr lang="en-US"/>
           </a:p>
           <a:p>
             <a:pPr marL="0" indent="0">
               <a:buNone/>
             </a:pPr>
             <a:r>
-              <a:rPr lang="en-US" dirty="0"/>
+              <a:rPr lang="en-US"/>
               <a:t>Decomposition </a:t>
             </a:r>
           </a:p>
           <a:p>
             <a:r>
-              <a:rPr lang="en-US" sz="1400" dirty="0"/>
+              <a:rPr lang="en-US" sz="1400"/>
               <a:t>L shape method (</a:t>
             </a:r>
             <a:r>
-              <a:rPr lang="en-US" sz="1400" dirty="0" err="1"/>
+              <a:rPr lang="en-US" sz="1400" err="1"/>
               <a:t>Birge</a:t>
             </a:r>
             <a:r>
-              <a:rPr lang="en-US" sz="1400" dirty="0"/>
+              <a:rPr lang="en-US" sz="1400"/>
               <a:t> – Stochastic Programming)</a:t>
             </a:r>
             <a:r>
-              <a:rPr lang="en-US" dirty="0"/>
+              <a:rPr lang="en-US"/>
               <a:t> </a:t>
             </a:r>
           </a:p>
           <a:p>
             <a:r>
-              <a:rPr lang="en-US" sz="1400" dirty="0"/>
+              <a:rPr lang="en-US" sz="1400"/>
               <a:t>Primal, Dual decomposition (papers - Dinesh)</a:t>
             </a:r>
           </a:p>
@@ -9471,14 +9550,14 @@
             <a:pPr marL="0" indent="0">
               <a:buNone/>
             </a:pPr>
-            <a:endParaRPr lang="en-US" sz="1400" dirty="0"/>
-          </a:p>
-          <a:p>
-            <a:r>
-              <a:rPr lang="en-US" sz="1400" dirty="0"/>
+            <a:endParaRPr lang="en-US" sz="1400"/>
+          </a:p>
+          <a:p>
+            <a:r>
+              <a:rPr lang="en-US" sz="1400"/>
               <a:t>ADMM </a:t>
             </a:r>
-            <a:endParaRPr lang="en-US" dirty="0"/>
+            <a:endParaRPr lang="en-US"/>
           </a:p>
         </p:txBody>
       </p:sp>
@@ -9602,7 +9681,7 @@
           <a:lstStyle/>
           <a:p>
             <a:r>
-              <a:rPr lang="en-US" dirty="0"/>
+              <a:rPr lang="en-US"/>
               <a:t>ADMM – Quick Theory</a:t>
             </a:r>
           </a:p>
@@ -9633,7 +9712,7 @@
               <a:buNone/>
             </a:pPr>
             <a:r>
-              <a:rPr lang="en-US" dirty="0"/>
+              <a:rPr lang="en-US"/>
               <a:t>Solve </a:t>
             </a:r>
           </a:p>
@@ -9641,20 +9720,20 @@
             <a:pPr marL="0" indent="0">
               <a:buNone/>
             </a:pPr>
-            <a:endParaRPr lang="en-US" dirty="0"/>
+            <a:endParaRPr lang="en-US"/>
           </a:p>
           <a:p>
             <a:pPr marL="0" indent="0">
               <a:buNone/>
             </a:pPr>
-            <a:endParaRPr lang="en-US" dirty="0"/>
+            <a:endParaRPr lang="en-US"/>
           </a:p>
           <a:p>
             <a:pPr marL="0" indent="0">
               <a:buNone/>
             </a:pPr>
             <a:r>
-              <a:rPr lang="en-US" dirty="0"/>
+              <a:rPr lang="en-US"/>
               <a:t>The augmented Lagrangian:</a:t>
             </a:r>
           </a:p>
@@ -9662,14 +9741,14 @@
             <a:pPr marL="0" indent="0">
               <a:buNone/>
             </a:pPr>
-            <a:endParaRPr lang="en-US" dirty="0"/>
+            <a:endParaRPr lang="en-US"/>
           </a:p>
           <a:p>
             <a:pPr marL="0" indent="0">
               <a:buNone/>
             </a:pPr>
             <a:r>
-              <a:rPr lang="en-US" dirty="0"/>
+              <a:rPr lang="en-US"/>
               <a:t>Method of Multipliers algorithm: </a:t>
             </a:r>
           </a:p>
@@ -9677,26 +9756,26 @@
             <a:pPr marL="0" indent="0">
               <a:buNone/>
             </a:pPr>
-            <a:endParaRPr lang="en-US" dirty="0"/>
+            <a:endParaRPr lang="en-US"/>
           </a:p>
           <a:p>
             <a:pPr marL="0" indent="0">
               <a:buNone/>
             </a:pPr>
-            <a:endParaRPr lang="en-US" dirty="0"/>
+            <a:endParaRPr lang="en-US"/>
           </a:p>
           <a:p>
             <a:pPr marL="0" indent="0">
               <a:buNone/>
             </a:pPr>
-            <a:endParaRPr lang="en-US" dirty="0"/>
+            <a:endParaRPr lang="en-US"/>
           </a:p>
           <a:p>
             <a:pPr marL="0" indent="0">
               <a:buNone/>
             </a:pPr>
             <a:r>
-              <a:rPr lang="en-US" dirty="0"/>
+              <a:rPr lang="en-US"/>
               <a:t>ADMM Algorithm: </a:t>
             </a:r>
           </a:p>
@@ -9730,7 +9809,7 @@
           <a:graphicData uri="http://schemas.openxmlformats.org/presentationml/2006/ole">
             <mc:AlternateContent xmlns:mc="http://schemas.openxmlformats.org/markup-compatibility/2006">
               <mc:Choice xmlns:v="urn:schemas-microsoft-com:vml" Requires="v">
-                <p:oleObj spid="_x0000_s1054" name="Equation" r:id="rId3" imgW="3350113" imgH="380670" progId="Equation.DSMT4">
+                <p:oleObj spid="_x0000_s1026" name="Equation" r:id="rId3" imgW="3350113" imgH="380670" progId="Equation.DSMT4">
                   <p:embed/>
                 </p:oleObj>
               </mc:Choice>
@@ -9799,7 +9878,7 @@
           <a:graphicData uri="http://schemas.openxmlformats.org/presentationml/2006/ole">
             <mc:AlternateContent xmlns:mc="http://schemas.openxmlformats.org/markup-compatibility/2006">
               <mc:Choice xmlns:v="urn:schemas-microsoft-com:vml" Requires="v">
-                <p:oleObj spid="_x0000_s1055" name="Equation" r:id="rId5" imgW="304687" imgH="304752" progId="Equation.DSMT4">
+                <p:oleObj spid="_x0000_s1027" name="Equation" r:id="rId5" imgW="304687" imgH="304752" progId="Equation.DSMT4">
                   <p:embed/>
                 </p:oleObj>
               </mc:Choice>
@@ -9868,7 +9947,7 @@
           <a:graphicData uri="http://schemas.openxmlformats.org/presentationml/2006/ole">
             <mc:AlternateContent xmlns:mc="http://schemas.openxmlformats.org/markup-compatibility/2006">
               <mc:Choice xmlns:v="urn:schemas-microsoft-com:vml" Requires="v">
-                <p:oleObj spid="_x0000_s1056" name="Equation" r:id="rId7" imgW="761536" imgH="228474" progId="Equation.DSMT4">
+                <p:oleObj spid="_x0000_s1028" name="Equation" r:id="rId7" imgW="761536" imgH="228474" progId="Equation.DSMT4">
                   <p:embed/>
                 </p:oleObj>
               </mc:Choice>
@@ -9937,7 +10016,7 @@
           <a:graphicData uri="http://schemas.openxmlformats.org/presentationml/2006/ole">
             <mc:AlternateContent xmlns:mc="http://schemas.openxmlformats.org/markup-compatibility/2006">
               <mc:Choice xmlns:v="urn:schemas-microsoft-com:vml" Requires="v">
-                <p:oleObj spid="_x0000_s1057" name="Equation" r:id="rId9" imgW="761536" imgH="152196" progId="Equation.DSMT4">
+                <p:oleObj spid="_x0000_s1029" name="Equation" r:id="rId9" imgW="761536" imgH="152196" progId="Equation.DSMT4">
                   <p:embed/>
                 </p:oleObj>
               </mc:Choice>
@@ -10026,7 +10105,7 @@
             <a:graphicData uri="http://schemas.openxmlformats.org/presentationml/2006/ole">
               <mc:AlternateContent xmlns:mc="http://schemas.openxmlformats.org/markup-compatibility/2006">
                 <mc:Choice xmlns:v="urn:schemas-microsoft-com:vml" Requires="v">
-                  <p:oleObj spid="_x0000_s1058" name="Equation" r:id="rId11" imgW="685275" imgH="304752" progId="Equation.DSMT4">
+                  <p:oleObj spid="_x0000_s1030" name="Equation" r:id="rId11" imgW="685275" imgH="304752" progId="Equation.DSMT4">
                     <p:embed/>
                   </p:oleObj>
                 </mc:Choice>
@@ -10095,7 +10174,7 @@
             <a:graphicData uri="http://schemas.openxmlformats.org/presentationml/2006/ole">
               <mc:AlternateContent xmlns:mc="http://schemas.openxmlformats.org/markup-compatibility/2006">
                 <mc:Choice xmlns:v="urn:schemas-microsoft-com:vml" Requires="v">
-                  <p:oleObj spid="_x0000_s1059" name="Equation" r:id="rId13" imgW="1361197" imgH="304752" progId="Equation.DSMT4">
+                  <p:oleObj spid="_x0000_s1031" name="Equation" r:id="rId13" imgW="1361197" imgH="304752" progId="Equation.DSMT4">
                     <p:embed/>
                   </p:oleObj>
                 </mc:Choice>
@@ -10164,7 +10243,7 @@
             <a:graphicData uri="http://schemas.openxmlformats.org/presentationml/2006/ole">
               <mc:AlternateContent xmlns:mc="http://schemas.openxmlformats.org/markup-compatibility/2006">
                 <mc:Choice xmlns:v="urn:schemas-microsoft-com:vml" Requires="v">
-                  <p:oleObj spid="_x0000_s1060" name="Equation" r:id="rId15" imgW="304687" imgH="228474" progId="Equation.DSMT4">
+                  <p:oleObj spid="_x0000_s1032" name="Equation" r:id="rId15" imgW="304687" imgH="228474" progId="Equation.DSMT4">
                     <p:embed/>
                   </p:oleObj>
                 </mc:Choice>
@@ -10233,7 +10312,7 @@
             <a:graphicData uri="http://schemas.openxmlformats.org/presentationml/2006/ole">
               <mc:AlternateContent xmlns:mc="http://schemas.openxmlformats.org/markup-compatibility/2006">
                 <mc:Choice xmlns:v="urn:schemas-microsoft-com:vml" Requires="v">
-                  <p:oleObj spid="_x0000_s1061" name="Equation" r:id="rId17" imgW="1522713" imgH="228474" progId="Equation.DSMT4">
+                  <p:oleObj spid="_x0000_s1033" name="Equation" r:id="rId17" imgW="1522713" imgH="228474" progId="Equation.DSMT4">
                     <p:embed/>
                   </p:oleObj>
                 </mc:Choice>
@@ -10323,7 +10402,7 @@
             <a:graphicData uri="http://schemas.openxmlformats.org/presentationml/2006/ole">
               <mc:AlternateContent xmlns:mc="http://schemas.openxmlformats.org/markup-compatibility/2006">
                 <mc:Choice xmlns:v="urn:schemas-microsoft-com:vml" Requires="v">
-                  <p:oleObj spid="_x0000_s1062" name="Equation" r:id="rId19" imgW="304687" imgH="228474" progId="Equation.DSMT4">
+                  <p:oleObj spid="_x0000_s1034" name="Equation" r:id="rId19" imgW="304687" imgH="228474" progId="Equation.DSMT4">
                     <p:embed/>
                   </p:oleObj>
                 </mc:Choice>
@@ -10392,7 +10471,7 @@
             <a:graphicData uri="http://schemas.openxmlformats.org/presentationml/2006/ole">
               <mc:AlternateContent xmlns:mc="http://schemas.openxmlformats.org/markup-compatibility/2006">
                 <mc:Choice xmlns:v="urn:schemas-microsoft-com:vml" Requires="v">
-                  <p:oleObj spid="_x0000_s1063" name="Equation" r:id="rId21" imgW="1446811" imgH="304752" progId="Equation.DSMT4">
+                  <p:oleObj spid="_x0000_s1035" name="Equation" r:id="rId21" imgW="1446811" imgH="304752" progId="Equation.DSMT4">
                     <p:embed/>
                   </p:oleObj>
                 </mc:Choice>
@@ -10461,7 +10540,7 @@
             <a:graphicData uri="http://schemas.openxmlformats.org/presentationml/2006/ole">
               <mc:AlternateContent xmlns:mc="http://schemas.openxmlformats.org/markup-compatibility/2006">
                 <mc:Choice xmlns:v="urn:schemas-microsoft-com:vml" Requires="v">
-                  <p:oleObj spid="_x0000_s1064" name="Equation" r:id="rId23" imgW="304687" imgH="228474" progId="Equation.DSMT4">
+                  <p:oleObj spid="_x0000_s1036" name="Equation" r:id="rId23" imgW="304687" imgH="228474" progId="Equation.DSMT4">
                     <p:embed/>
                   </p:oleObj>
                 </mc:Choice>
@@ -10530,7 +10609,7 @@
             <a:graphicData uri="http://schemas.openxmlformats.org/presentationml/2006/ole">
               <mc:AlternateContent xmlns:mc="http://schemas.openxmlformats.org/markup-compatibility/2006">
                 <mc:Choice xmlns:v="urn:schemas-microsoft-com:vml" Requires="v">
-                  <p:oleObj spid="_x0000_s1065" name="Equation" r:id="rId25" imgW="1522713" imgH="304752" progId="Equation.DSMT4">
+                  <p:oleObj spid="_x0000_s1037" name="Equation" r:id="rId25" imgW="1522713" imgH="304752" progId="Equation.DSMT4">
                     <p:embed/>
                   </p:oleObj>
                 </mc:Choice>
@@ -10599,7 +10678,7 @@
             <a:graphicData uri="http://schemas.openxmlformats.org/presentationml/2006/ole">
               <mc:AlternateContent xmlns:mc="http://schemas.openxmlformats.org/markup-compatibility/2006">
                 <mc:Choice xmlns:v="urn:schemas-microsoft-com:vml" Requires="v">
-                  <p:oleObj spid="_x0000_s1066" name="Equation" r:id="rId27" imgW="304687" imgH="228474" progId="Equation.DSMT4">
+                  <p:oleObj spid="_x0000_s1038" name="Equation" r:id="rId27" imgW="304687" imgH="228474" progId="Equation.DSMT4">
                     <p:embed/>
                   </p:oleObj>
                 </mc:Choice>
@@ -10668,7 +10747,7 @@
             <a:graphicData uri="http://schemas.openxmlformats.org/presentationml/2006/ole">
               <mc:AlternateContent xmlns:mc="http://schemas.openxmlformats.org/markup-compatibility/2006">
                 <mc:Choice xmlns:v="urn:schemas-microsoft-com:vml" Requires="v">
-                  <p:oleObj spid="_x0000_s1067" name="Equation" r:id="rId29" imgW="1522713" imgH="228474" progId="Equation.DSMT4">
+                  <p:oleObj spid="_x0000_s1039" name="Equation" r:id="rId29" imgW="1522713" imgH="228474" progId="Equation.DSMT4">
                     <p:embed/>
                   </p:oleObj>
                 </mc:Choice>
@@ -10932,7 +11011,7 @@
           <a:lstStyle/>
           <a:p>
             <a:r>
-              <a:rPr lang="en-US" dirty="0"/>
+              <a:rPr lang="en-US"/>
               <a:t>ADMM for consensus problems</a:t>
             </a:r>
           </a:p>
@@ -10960,55 +11039,55 @@
           <a:lstStyle/>
           <a:p>
             <a:r>
-              <a:rPr lang="en-US" dirty="0"/>
+              <a:rPr lang="en-US"/>
               <a:t>Based from </a:t>
             </a:r>
             <a:r>
-              <a:rPr lang="en-US" sz="1200" dirty="0"/>
+              <a:rPr lang="en-US" sz="1200"/>
               <a:t>(Ch 7, Boyd 2010)</a:t>
             </a:r>
           </a:p>
           <a:p>
-            <a:endParaRPr lang="en-US" sz="1200" dirty="0"/>
-          </a:p>
-          <a:p>
-            <a:endParaRPr lang="en-US" sz="1200" dirty="0"/>
-          </a:p>
-          <a:p>
-            <a:endParaRPr lang="en-US" sz="1200" dirty="0"/>
-          </a:p>
-          <a:p>
-            <a:endParaRPr lang="en-US" sz="1200" dirty="0"/>
+            <a:endParaRPr lang="en-US" sz="1200"/>
+          </a:p>
+          <a:p>
+            <a:endParaRPr lang="en-US" sz="1200"/>
+          </a:p>
+          <a:p>
+            <a:endParaRPr lang="en-US" sz="1200"/>
+          </a:p>
+          <a:p>
+            <a:endParaRPr lang="en-US" sz="1200"/>
           </a:p>
           <a:p>
             <a:pPr marL="0" indent="0">
               <a:buNone/>
             </a:pPr>
-            <a:endParaRPr lang="en-US" sz="1200" dirty="0"/>
+            <a:endParaRPr lang="en-US" sz="1200"/>
           </a:p>
           <a:p>
             <a:pPr marL="0" indent="0">
               <a:buNone/>
             </a:pPr>
-            <a:endParaRPr lang="en-US" sz="1200" dirty="0"/>
+            <a:endParaRPr lang="en-US" sz="1200"/>
           </a:p>
           <a:p>
             <a:pPr marL="0" indent="0">
               <a:buNone/>
             </a:pPr>
-            <a:endParaRPr lang="en-US" sz="1200" dirty="0"/>
+            <a:endParaRPr lang="en-US" sz="1200"/>
           </a:p>
           <a:p>
             <a:pPr marL="0" indent="0">
               <a:buNone/>
             </a:pPr>
-            <a:endParaRPr lang="en-US" sz="1200" dirty="0"/>
+            <a:endParaRPr lang="en-US" sz="1200"/>
           </a:p>
           <a:p>
             <a:pPr marL="0" indent="0">
               <a:buNone/>
             </a:pPr>
-            <a:endParaRPr lang="en-US" sz="1200" dirty="0"/>
+            <a:endParaRPr lang="en-US" sz="1200"/>
           </a:p>
         </p:txBody>
       </p:sp>
@@ -11094,7 +11173,7 @@
             <a:graphicData uri="http://schemas.openxmlformats.org/presentationml/2006/ole">
               <mc:AlternateContent xmlns:mc="http://schemas.openxmlformats.org/markup-compatibility/2006">
                 <mc:Choice xmlns:v="urn:schemas-microsoft-com:vml" Requires="v">
-                  <p:oleObj spid="_x0000_s2088" name="Equation" r:id="rId4" imgW="304687" imgH="304752" progId="Equation.DSMT4">
+                  <p:oleObj spid="_x0000_s2050" name="Equation" r:id="rId4" imgW="304687" imgH="304752" progId="Equation.DSMT4">
                     <p:embed/>
                   </p:oleObj>
                 </mc:Choice>
@@ -11163,7 +11242,7 @@
             <a:graphicData uri="http://schemas.openxmlformats.org/presentationml/2006/ole">
               <mc:AlternateContent xmlns:mc="http://schemas.openxmlformats.org/markup-compatibility/2006">
                 <mc:Choice xmlns:v="urn:schemas-microsoft-com:vml" Requires="v">
-                  <p:oleObj spid="_x0000_s2089" name="Equation" r:id="rId6" imgW="609013" imgH="466302" progId="Equation.DSMT4">
+                  <p:oleObj spid="_x0000_s2051" name="Equation" r:id="rId6" imgW="609013" imgH="466302" progId="Equation.DSMT4">
                     <p:embed/>
                   </p:oleObj>
                 </mc:Choice>
@@ -11232,7 +11311,7 @@
             <a:graphicData uri="http://schemas.openxmlformats.org/presentationml/2006/ole">
               <mc:AlternateContent xmlns:mc="http://schemas.openxmlformats.org/markup-compatibility/2006">
                 <mc:Choice xmlns:v="urn:schemas-microsoft-com:vml" Requires="v">
-                  <p:oleObj spid="_x0000_s2090" name="Equation" r:id="rId8" imgW="228425" imgH="152196" progId="Equation.DSMT4">
+                  <p:oleObj spid="_x0000_s2052" name="Equation" r:id="rId8" imgW="228425" imgH="152196" progId="Equation.DSMT4">
                     <p:embed/>
                   </p:oleObj>
                 </mc:Choice>
@@ -11301,7 +11380,7 @@
             <a:graphicData uri="http://schemas.openxmlformats.org/presentationml/2006/ole">
               <mc:AlternateContent xmlns:mc="http://schemas.openxmlformats.org/markup-compatibility/2006">
                 <mc:Choice xmlns:v="urn:schemas-microsoft-com:vml" Requires="v">
-                  <p:oleObj spid="_x0000_s2091" name="Equation" r:id="rId10" imgW="466203" imgH="228474" progId="Equation.DSMT4">
+                  <p:oleObj spid="_x0000_s2053" name="Equation" r:id="rId10" imgW="466203" imgH="228474" progId="Equation.DSMT4">
                     <p:embed/>
                   </p:oleObj>
                 </mc:Choice>
@@ -11370,7 +11449,7 @@
             <a:graphicData uri="http://schemas.openxmlformats.org/presentationml/2006/ole">
               <mc:AlternateContent xmlns:mc="http://schemas.openxmlformats.org/markup-compatibility/2006">
                 <mc:Choice xmlns:v="urn:schemas-microsoft-com:vml" Requires="v">
-                  <p:oleObj spid="_x0000_s2092" name="Equation" r:id="rId12" imgW="847151" imgH="228474" progId="Equation.DSMT4">
+                  <p:oleObj spid="_x0000_s2054" name="Equation" r:id="rId12" imgW="847151" imgH="228474" progId="Equation.DSMT4">
                     <p:embed/>
                   </p:oleObj>
                 </mc:Choice>
@@ -11794,7 +11873,7 @@
                           <a:spcPts val="500"/>
                         </a:spcAft>
                       </a:pPr>
-                      <a:endParaRPr lang="en-US" sz="1200" dirty="0">
+                      <a:endParaRPr lang="en-US" sz="1200">
                         <a:solidFill>
                           <a:srgbClr val="000000"/>
                         </a:solidFill>
@@ -11878,7 +11957,7 @@
             <a:graphicData uri="http://schemas.openxmlformats.org/presentationml/2006/ole">
               <mc:AlternateContent xmlns:mc="http://schemas.openxmlformats.org/markup-compatibility/2006">
                 <mc:Choice xmlns:v="urn:schemas-microsoft-com:vml" Requires="v">
-                  <p:oleObj spid="_x0000_s2093" name="Equation" r:id="rId14" imgW="380880" imgH="266400" progId="Equation.DSMT4">
+                  <p:oleObj spid="_x0000_s2055" name="Equation" r:id="rId14" imgW="380880" imgH="266400" progId="Equation.DSMT4">
                     <p:embed/>
                   </p:oleObj>
                 </mc:Choice>
@@ -11951,7 +12030,7 @@
             <a:graphicData uri="http://schemas.openxmlformats.org/presentationml/2006/ole">
               <mc:AlternateContent xmlns:mc="http://schemas.openxmlformats.org/markup-compatibility/2006">
                 <mc:Choice xmlns:v="urn:schemas-microsoft-com:vml" Requires="v">
-                  <p:oleObj spid="_x0000_s2094" name="Equation" r:id="rId16" imgW="507960" imgH="317160" progId="Equation.DSMT4">
+                  <p:oleObj spid="_x0000_s2056" name="Equation" r:id="rId16" imgW="507960" imgH="317160" progId="Equation.DSMT4">
                     <p:embed/>
                   </p:oleObj>
                 </mc:Choice>
@@ -12024,7 +12103,7 @@
             <a:graphicData uri="http://schemas.openxmlformats.org/presentationml/2006/ole">
               <mc:AlternateContent xmlns:mc="http://schemas.openxmlformats.org/markup-compatibility/2006">
                 <mc:Choice xmlns:v="urn:schemas-microsoft-com:vml" Requires="v">
-                  <p:oleObj spid="_x0000_s2095" name="Equation" r:id="rId18" imgW="2921000" imgH="431800" progId="Equation.DSMT4">
+                  <p:oleObj spid="_x0000_s2057" name="Equation" r:id="rId18" imgW="2921000" imgH="431800" progId="Equation.DSMT4">
                     <p:embed/>
                   </p:oleObj>
                 </mc:Choice>
@@ -12103,7 +12182,7 @@
             <a:graphicData uri="http://schemas.openxmlformats.org/presentationml/2006/ole">
               <mc:AlternateContent xmlns:mc="http://schemas.openxmlformats.org/markup-compatibility/2006">
                 <mc:Choice xmlns:v="urn:schemas-microsoft-com:vml" Requires="v">
-                  <p:oleObj spid="_x0000_s2096" name="Equation" r:id="rId20" imgW="190417" imgH="152334" progId="Equation.DSMT4">
+                  <p:oleObj spid="_x0000_s2058" name="Equation" r:id="rId20" imgW="190417" imgH="152334" progId="Equation.DSMT4">
                     <p:embed/>
                   </p:oleObj>
                 </mc:Choice>
@@ -12182,7 +12261,7 @@
             <a:graphicData uri="http://schemas.openxmlformats.org/presentationml/2006/ole">
               <mc:AlternateContent xmlns:mc="http://schemas.openxmlformats.org/markup-compatibility/2006">
                 <mc:Choice xmlns:v="urn:schemas-microsoft-com:vml" Requires="v">
-                  <p:oleObj spid="_x0000_s2097" name="Equation" r:id="rId22" imgW="431613" imgH="228501" progId="Equation.DSMT4">
+                  <p:oleObj spid="_x0000_s2059" name="Equation" r:id="rId22" imgW="431613" imgH="228501" progId="Equation.DSMT4">
                     <p:embed/>
                   </p:oleObj>
                 </mc:Choice>
@@ -12261,7 +12340,7 @@
             <a:graphicData uri="http://schemas.openxmlformats.org/presentationml/2006/ole">
               <mc:AlternateContent xmlns:mc="http://schemas.openxmlformats.org/markup-compatibility/2006">
                 <mc:Choice xmlns:v="urn:schemas-microsoft-com:vml" Requires="v">
-                  <p:oleObj spid="_x0000_s2098" name="Equation" r:id="rId24" imgW="736600" imgH="203200" progId="Equation.DSMT4">
+                  <p:oleObj spid="_x0000_s2060" name="Equation" r:id="rId24" imgW="736600" imgH="203200" progId="Equation.DSMT4">
                     <p:embed/>
                   </p:oleObj>
                 </mc:Choice>
@@ -12423,7 +12502,7 @@
                           <a:spcPts val="500"/>
                         </a:spcAft>
                       </a:pPr>
-                      <a:endParaRPr lang="en-US" sz="1200" dirty="0">
+                      <a:endParaRPr lang="en-US" sz="1200">
                         <a:solidFill>
                           <a:srgbClr val="000000"/>
                         </a:solidFill>
@@ -12465,7 +12544,7 @@
                           <a:spcPts val="500"/>
                         </a:spcAft>
                       </a:pPr>
-                      <a:endParaRPr lang="en-US" sz="1200" dirty="0">
+                      <a:endParaRPr lang="en-US" sz="1200">
                         <a:solidFill>
                           <a:srgbClr val="000000"/>
                         </a:solidFill>
@@ -12549,7 +12628,7 @@
             <a:graphicData uri="http://schemas.openxmlformats.org/presentationml/2006/ole">
               <mc:AlternateContent xmlns:mc="http://schemas.openxmlformats.org/markup-compatibility/2006">
                 <mc:Choice xmlns:v="urn:schemas-microsoft-com:vml" Requires="v">
-                  <p:oleObj spid="_x0000_s2099" name="Equation" r:id="rId26" imgW="393529" imgH="190417" progId="Equation.DSMT4">
+                  <p:oleObj spid="_x0000_s2061" name="Equation" r:id="rId26" imgW="393529" imgH="190417" progId="Equation.DSMT4">
                     <p:embed/>
                   </p:oleObj>
                 </mc:Choice>
@@ -12628,7 +12707,7 @@
             <a:graphicData uri="http://schemas.openxmlformats.org/presentationml/2006/ole">
               <mc:AlternateContent xmlns:mc="http://schemas.openxmlformats.org/markup-compatibility/2006">
                 <mc:Choice xmlns:v="urn:schemas-microsoft-com:vml" Requires="v">
-                  <p:oleObj spid="_x0000_s2100" name="Equation" r:id="rId28" imgW="507780" imgH="304668" progId="Equation.DSMT4">
+                  <p:oleObj spid="_x0000_s2062" name="Equation" r:id="rId28" imgW="507780" imgH="304668" progId="Equation.DSMT4">
                     <p:embed/>
                   </p:oleObj>
                 </mc:Choice>
@@ -12707,7 +12786,7 @@
             <a:graphicData uri="http://schemas.openxmlformats.org/presentationml/2006/ole">
               <mc:AlternateContent xmlns:mc="http://schemas.openxmlformats.org/markup-compatibility/2006">
                 <mc:Choice xmlns:v="urn:schemas-microsoft-com:vml" Requires="v">
-                  <p:oleObj spid="_x0000_s2101" name="Equation" r:id="rId30" imgW="2222280" imgH="393480" progId="Equation.DSMT4">
+                  <p:oleObj spid="_x0000_s2063" name="Equation" r:id="rId30" imgW="2222280" imgH="393480" progId="Equation.DSMT4">
                     <p:embed/>
                   </p:oleObj>
                 </mc:Choice>
@@ -12856,7 +12935,7 @@
                           <a:spcPts val="500"/>
                         </a:spcAft>
                       </a:pPr>
-                      <a:endParaRPr lang="en-US" sz="1200" dirty="0">
+                      <a:endParaRPr lang="en-US" sz="1200">
                         <a:solidFill>
                           <a:srgbClr val="000000"/>
                         </a:solidFill>
@@ -12940,7 +13019,7 @@
             <a:graphicData uri="http://schemas.openxmlformats.org/presentationml/2006/ole">
               <mc:AlternateContent xmlns:mc="http://schemas.openxmlformats.org/markup-compatibility/2006">
                 <mc:Choice xmlns:v="urn:schemas-microsoft-com:vml" Requires="v">
-                  <p:oleObj spid="_x0000_s2102" name="Equation" r:id="rId32" imgW="291973" imgH="241195" progId="Equation.DSMT4">
+                  <p:oleObj spid="_x0000_s2064" name="Equation" r:id="rId32" imgW="291973" imgH="241195" progId="Equation.DSMT4">
                     <p:embed/>
                   </p:oleObj>
                 </mc:Choice>
@@ -13019,7 +13098,7 @@
             <a:graphicData uri="http://schemas.openxmlformats.org/presentationml/2006/ole">
               <mc:AlternateContent xmlns:mc="http://schemas.openxmlformats.org/markup-compatibility/2006">
                 <mc:Choice xmlns:v="urn:schemas-microsoft-com:vml" Requires="v">
-                  <p:oleObj spid="_x0000_s2103" name="Equation" r:id="rId34" imgW="1524000" imgH="241300" progId="Equation.DSMT4">
+                  <p:oleObj spid="_x0000_s2065" name="Equation" r:id="rId34" imgW="1524000" imgH="241300" progId="Equation.DSMT4">
                     <p:embed/>
                   </p:oleObj>
                 </mc:Choice>
@@ -13098,7 +13177,7 @@
             <a:graphicData uri="http://schemas.openxmlformats.org/presentationml/2006/ole">
               <mc:AlternateContent xmlns:mc="http://schemas.openxmlformats.org/markup-compatibility/2006">
                 <mc:Choice xmlns:v="urn:schemas-microsoft-com:vml" Requires="v">
-                  <p:oleObj spid="_x0000_s2104" name="Equation" r:id="rId36" imgW="823093" imgH="236111" progId="Equation.DSMT4">
+                  <p:oleObj spid="_x0000_s2066" name="Equation" r:id="rId36" imgW="823093" imgH="236111" progId="Equation.DSMT4">
                     <p:embed/>
                   </p:oleObj>
                 </mc:Choice>
@@ -13250,7 +13329,7 @@
             <a:graphicData uri="http://schemas.openxmlformats.org/presentationml/2006/ole">
               <mc:AlternateContent xmlns:mc="http://schemas.openxmlformats.org/markup-compatibility/2006">
                 <mc:Choice xmlns:v="urn:schemas-microsoft-com:vml" Requires="v">
-                  <p:oleObj spid="_x0000_s2105" name="Equation" r:id="rId38" imgW="980249" imgH="466302" progId="Equation.DSMT4">
+                  <p:oleObj spid="_x0000_s2067" name="Equation" r:id="rId38" imgW="980249" imgH="466302" progId="Equation.DSMT4">
                     <p:embed/>
                   </p:oleObj>
                 </mc:Choice>
@@ -13319,7 +13398,7 @@
             <a:graphicData uri="http://schemas.openxmlformats.org/presentationml/2006/ole">
               <mc:AlternateContent xmlns:mc="http://schemas.openxmlformats.org/markup-compatibility/2006">
                 <mc:Choice xmlns:v="urn:schemas-microsoft-com:vml" Requires="v">
-                  <p:oleObj spid="_x0000_s2106" name="Equation" r:id="rId40" imgW="466203" imgH="228474" progId="Equation.DSMT4">
+                  <p:oleObj spid="_x0000_s2068" name="Equation" r:id="rId40" imgW="466203" imgH="228474" progId="Equation.DSMT4">
                     <p:embed/>
                   </p:oleObj>
                 </mc:Choice>
@@ -13653,7 +13732,7 @@
           <a:lstStyle/>
           <a:p>
             <a:r>
-              <a:rPr lang="en-US" dirty="0"/>
+              <a:rPr lang="en-US"/>
               <a:t>Decomposing a two-stage NLP – previous works</a:t>
             </a:r>
           </a:p>
@@ -13681,138 +13760,138 @@
           <a:lstStyle/>
           <a:p>
             <a:r>
-              <a:rPr lang="en-US" dirty="0"/>
+              <a:rPr lang="en-US"/>
               <a:t>Scenario/ Bundle decomposition – </a:t>
             </a:r>
             <a:r>
-              <a:rPr lang="en-US" sz="1000" dirty="0"/>
+              <a:rPr lang="en-US" sz="1000"/>
               <a:t>(Lucia 2013)</a:t>
             </a:r>
-            <a:endParaRPr lang="en-US" sz="1200" dirty="0"/>
+            <a:endParaRPr lang="en-US" sz="1200"/>
           </a:p>
           <a:p>
             <a:pPr lvl="1"/>
             <a:r>
-              <a:rPr lang="en-US" sz="1400" b="1" dirty="0"/>
+              <a:rPr lang="en-US" sz="1400" b="1"/>
               <a:t>Linked by Non </a:t>
             </a:r>
             <a:r>
-              <a:rPr lang="en-US" sz="1400" b="1" dirty="0" err="1"/>
+              <a:rPr lang="en-US" sz="1400" b="1" err="1"/>
               <a:t>Anticipativity</a:t>
             </a:r>
             <a:r>
-              <a:rPr lang="en-US" sz="1400" b="1" dirty="0"/>
+              <a:rPr lang="en-US" sz="1400" b="1"/>
               <a:t> Constraints</a:t>
             </a:r>
           </a:p>
           <a:p>
             <a:pPr lvl="2"/>
             <a:r>
-              <a:rPr lang="en-US" sz="1200" dirty="0"/>
+              <a:rPr lang="en-US" sz="1200"/>
               <a:t>Primal/ Dual/ PH (special case of ADMM) </a:t>
             </a:r>
             <a:r>
-              <a:rPr lang="en-US" sz="1000" dirty="0"/>
+              <a:rPr lang="en-US" sz="1000"/>
               <a:t>(</a:t>
             </a:r>
             <a:r>
-              <a:rPr lang="en-US" sz="1050" dirty="0"/>
+              <a:rPr lang="en-US" sz="1050"/>
               <a:t>Martí</a:t>
             </a:r>
             <a:r>
-              <a:rPr lang="en-US" sz="1000" dirty="0"/>
+              <a:rPr lang="en-US" sz="1000"/>
               <a:t> 2015)</a:t>
             </a:r>
-            <a:endParaRPr lang="en-US" sz="1200" dirty="0"/>
+            <a:endParaRPr lang="en-US" sz="1200"/>
           </a:p>
           <a:p>
             <a:pPr lvl="2"/>
-            <a:endParaRPr lang="en-US" sz="900" dirty="0"/>
-          </a:p>
-          <a:p>
-            <a:endParaRPr lang="en-US" dirty="0"/>
+            <a:endParaRPr lang="en-US" sz="900"/>
+          </a:p>
+          <a:p>
+            <a:endParaRPr lang="en-US"/>
           </a:p>
           <a:p>
             <a:pPr marL="0" indent="0">
               <a:buNone/>
             </a:pPr>
-            <a:endParaRPr lang="en-US" dirty="0"/>
-          </a:p>
-          <a:p>
-            <a:r>
-              <a:rPr lang="en-US" dirty="0"/>
+            <a:endParaRPr lang="en-US"/>
+          </a:p>
+          <a:p>
+            <a:r>
+              <a:rPr lang="en-US"/>
               <a:t>Coupling across single horizon </a:t>
             </a:r>
             <a:r>
-              <a:rPr lang="en-US" sz="1000" dirty="0"/>
+              <a:rPr lang="en-US" sz="1000"/>
               <a:t>(Jose 2018)</a:t>
             </a:r>
-            <a:endParaRPr lang="en-US" dirty="0"/>
+            <a:endParaRPr lang="en-US"/>
           </a:p>
           <a:p>
             <a:pPr lvl="1"/>
             <a:r>
-              <a:rPr lang="en-US" dirty="0"/>
+              <a:rPr lang="en-US"/>
               <a:t>Linked by continuity of Differential states</a:t>
             </a:r>
           </a:p>
           <a:p>
-            <a:endParaRPr lang="en-US" dirty="0"/>
-          </a:p>
-          <a:p>
-            <a:endParaRPr lang="en-US" dirty="0"/>
-          </a:p>
-          <a:p>
-            <a:r>
-              <a:rPr lang="en-US" dirty="0"/>
+            <a:endParaRPr lang="en-US"/>
+          </a:p>
+          <a:p>
+            <a:endParaRPr lang="en-US"/>
+          </a:p>
+          <a:p>
+            <a:r>
+              <a:rPr lang="en-US"/>
               <a:t>Combine both approaches</a:t>
             </a:r>
           </a:p>
           <a:p>
             <a:pPr lvl="1"/>
             <a:r>
-              <a:rPr lang="en-US" dirty="0"/>
+              <a:rPr lang="en-US"/>
               <a:t>Linked by a very general form </a:t>
             </a:r>
           </a:p>
           <a:p>
             <a:pPr lvl="2"/>
             <a:r>
-              <a:rPr lang="en-US" dirty="0"/>
+              <a:rPr lang="en-US"/>
               <a:t>1</a:t>
             </a:r>
             <a:r>
-              <a:rPr lang="en-US" baseline="30000" dirty="0"/>
+              <a:rPr lang="en-US" baseline="30000"/>
               <a:t>st</a:t>
             </a:r>
             <a:r>
-              <a:rPr lang="en-US" dirty="0"/>
+              <a:rPr lang="en-US"/>
               <a:t> stage Design variables</a:t>
             </a:r>
           </a:p>
           <a:p>
             <a:pPr lvl="2"/>
             <a:r>
-              <a:rPr lang="en-US" dirty="0"/>
+              <a:rPr lang="en-US"/>
               <a:t>2</a:t>
             </a:r>
             <a:r>
-              <a:rPr lang="en-US" baseline="30000" dirty="0"/>
+              <a:rPr lang="en-US" baseline="30000"/>
               <a:t>nd</a:t>
             </a:r>
             <a:r>
-              <a:rPr lang="en-US" dirty="0"/>
+              <a:rPr lang="en-US"/>
               <a:t> stage differential states </a:t>
             </a:r>
           </a:p>
           <a:p>
-            <a:endParaRPr lang="en-US" dirty="0"/>
+            <a:endParaRPr lang="en-US"/>
           </a:p>
           <a:p>
             <a:pPr marL="0" indent="0">
               <a:buNone/>
             </a:pPr>
-            <a:endParaRPr lang="en-US" dirty="0"/>
+            <a:endParaRPr lang="en-US"/>
           </a:p>
         </p:txBody>
       </p:sp>
@@ -14530,7 +14609,7 @@
               <a:buNone/>
             </a:pPr>
             <a:r>
-              <a:rPr lang="en-US" sz="1600" dirty="0"/>
+              <a:rPr lang="en-US" sz="1600"/>
               <a:t>Has a trivial solution for optimal operation</a:t>
             </a:r>
           </a:p>
@@ -14538,38 +14617,38 @@
             <a:pPr marL="0" indent="0">
               <a:buNone/>
             </a:pPr>
-            <a:endParaRPr lang="en-US" sz="1600" dirty="0"/>
+            <a:endParaRPr lang="en-US" sz="1600"/>
           </a:p>
           <a:p>
             <a:pPr marL="0" indent="0">
               <a:buNone/>
             </a:pPr>
-            <a:endParaRPr lang="en-US" sz="1600" dirty="0"/>
+            <a:endParaRPr lang="en-US" sz="1600"/>
           </a:p>
           <a:p>
             <a:pPr marL="0" indent="0">
               <a:buNone/>
             </a:pPr>
             <a:r>
-              <a:rPr lang="en-US" sz="1600" dirty="0"/>
+              <a:rPr lang="en-US" sz="1600"/>
               <a:t>1</a:t>
             </a:r>
             <a:r>
-              <a:rPr lang="en-US" sz="1600" baseline="30000" dirty="0"/>
+              <a:rPr lang="en-US" sz="1600" baseline="30000"/>
               <a:t>st</a:t>
             </a:r>
             <a:r>
-              <a:rPr lang="en-US" sz="1600" dirty="0"/>
+              <a:rPr lang="en-US" sz="1600"/>
               <a:t> stage Design variables</a:t>
             </a:r>
           </a:p>
           <a:p>
             <a:r>
-              <a:rPr lang="en-US" sz="1600" dirty="0"/>
+              <a:rPr lang="en-US" sz="1600"/>
               <a:t>Volume of the Tank (</a:t>
             </a:r>
             <a:r>
-              <a:rPr lang="en-US" sz="1600" i="1" dirty="0">
+              <a:rPr lang="en-US" sz="1600" i="1">
                 <a:solidFill>
                   <a:srgbClr val="00B050"/>
                 </a:solidFill>
@@ -14577,7 +14656,7 @@
               <a:t>V</a:t>
             </a:r>
             <a:r>
-              <a:rPr lang="en-US" sz="1600" i="1" baseline="30000" dirty="0">
+              <a:rPr lang="en-US" sz="1600" i="1" baseline="30000">
                 <a:solidFill>
                   <a:srgbClr val="00B050"/>
                 </a:solidFill>
@@ -14585,17 +14664,17 @@
               <a:t>tes</a:t>
             </a:r>
             <a:r>
-              <a:rPr lang="en-US" sz="1600" dirty="0"/>
+              <a:rPr lang="en-US" sz="1600"/>
               <a:t>)</a:t>
             </a:r>
           </a:p>
           <a:p>
             <a:r>
-              <a:rPr lang="en-US" sz="1600" dirty="0"/>
+              <a:rPr lang="en-US" sz="1600"/>
               <a:t>Area of the Heat exchanger (</a:t>
             </a:r>
             <a:r>
-              <a:rPr lang="en-US" sz="1600" i="1" dirty="0">
+              <a:rPr lang="en-US" sz="1600" i="1">
                 <a:solidFill>
                   <a:srgbClr val="00B050"/>
                 </a:solidFill>
@@ -14603,7 +14682,7 @@
               <a:t>A</a:t>
             </a:r>
             <a:r>
-              <a:rPr lang="en-US" sz="1600" i="1" baseline="30000" dirty="0">
+              <a:rPr lang="en-US" sz="1600" i="1" baseline="30000">
                 <a:solidFill>
                   <a:srgbClr val="00B050"/>
                 </a:solidFill>
@@ -14611,7 +14690,7 @@
               <a:t>whb</a:t>
             </a:r>
             <a:r>
-              <a:rPr lang="en-US" sz="1600" dirty="0"/>
+              <a:rPr lang="en-US" sz="1600"/>
               <a:t>)</a:t>
             </a:r>
           </a:p>
@@ -14619,26 +14698,26 @@
             <a:pPr marL="0" indent="0">
               <a:buNone/>
             </a:pPr>
-            <a:endParaRPr lang="en-US" sz="1600" dirty="0"/>
+            <a:endParaRPr lang="en-US" sz="1600"/>
           </a:p>
           <a:p>
             <a:pPr marL="0" indent="0">
               <a:buNone/>
             </a:pPr>
             <a:r>
-              <a:rPr lang="en-US" sz="1600" dirty="0"/>
+              <a:rPr lang="en-US" sz="1600"/>
               <a:t>Operations </a:t>
             </a:r>
             <a:r>
-              <a:rPr lang="en-US" sz="1600" dirty="0" err="1"/>
+              <a:rPr lang="en-US" sz="1600" err="1"/>
               <a:t>d.o.f</a:t>
             </a:r>
             <a:r>
-              <a:rPr lang="en-US" sz="1600" dirty="0"/>
+              <a:rPr lang="en-US" sz="1600"/>
               <a:t> – (</a:t>
             </a:r>
             <a:r>
-              <a:rPr lang="en-US" sz="1200" i="1" dirty="0">
+              <a:rPr lang="en-US" sz="1200" i="1">
                 <a:solidFill>
                   <a:srgbClr val="FF0000"/>
                 </a:solidFill>
@@ -14646,7 +14725,7 @@
               <a:t>red in fig</a:t>
             </a:r>
             <a:r>
-              <a:rPr lang="en-US" sz="1600" dirty="0"/>
+              <a:rPr lang="en-US" sz="1600"/>
               <a:t>) </a:t>
             </a:r>
           </a:p>
@@ -14654,28 +14733,28 @@
             <a:pPr marL="0" indent="0">
               <a:buNone/>
             </a:pPr>
-            <a:endParaRPr lang="en-US" sz="1600" dirty="0"/>
+            <a:endParaRPr lang="en-US" sz="1600"/>
           </a:p>
           <a:p>
             <a:pPr marL="0" indent="0">
               <a:buNone/>
             </a:pPr>
             <a:r>
-              <a:rPr lang="en-US" sz="1600" dirty="0"/>
+              <a:rPr lang="en-US" sz="1600"/>
               <a:t>2</a:t>
             </a:r>
             <a:r>
-              <a:rPr lang="en-US" sz="1600" baseline="30000" dirty="0"/>
+              <a:rPr lang="en-US" sz="1600" baseline="30000"/>
               <a:t>nd</a:t>
             </a:r>
             <a:r>
-              <a:rPr lang="en-US" sz="1600" dirty="0"/>
+              <a:rPr lang="en-US" sz="1600"/>
               <a:t> stage Differential states</a:t>
             </a:r>
           </a:p>
           <a:p>
             <a:r>
-              <a:rPr lang="en-US" sz="1600" i="1" dirty="0">
+              <a:rPr lang="en-US" sz="1600" i="1">
                 <a:solidFill>
                   <a:srgbClr val="00B050"/>
                 </a:solidFill>
@@ -14683,7 +14762,7 @@
               <a:t>T</a:t>
             </a:r>
             <a:r>
-              <a:rPr lang="en-US" sz="1600" i="1" baseline="30000" dirty="0">
+              <a:rPr lang="en-US" sz="1600" i="1" baseline="30000">
                 <a:solidFill>
                   <a:srgbClr val="00B050"/>
                 </a:solidFill>
@@ -14693,7 +14772,7 @@
           </a:p>
           <a:p>
             <a:r>
-              <a:rPr lang="en-US" sz="1600" i="1" dirty="0">
+              <a:rPr lang="en-US" sz="1600" i="1">
                 <a:solidFill>
                   <a:srgbClr val="00B050"/>
                 </a:solidFill>
@@ -14701,7 +14780,7 @@
               <a:t>T</a:t>
             </a:r>
             <a:r>
-              <a:rPr lang="en-US" sz="1600" i="1" baseline="30000" dirty="0">
+              <a:rPr lang="en-US" sz="1600" i="1" baseline="30000">
                 <a:solidFill>
                   <a:srgbClr val="00B050"/>
                 </a:solidFill>
@@ -14711,7 +14790,7 @@
           </a:p>
           <a:p>
             <a:r>
-              <a:rPr lang="en-US" sz="1600" i="1" dirty="0">
+              <a:rPr lang="en-US" sz="1600" i="1">
                 <a:solidFill>
                   <a:srgbClr val="00B050"/>
                 </a:solidFill>
@@ -14719,7 +14798,7 @@
               <a:t>T</a:t>
             </a:r>
             <a:r>
-              <a:rPr lang="en-US" sz="1600" i="1" baseline="30000" dirty="0">
+              <a:rPr lang="en-US" sz="1600" i="1" baseline="30000">
                 <a:solidFill>
                   <a:srgbClr val="00B050"/>
                 </a:solidFill>
@@ -14727,7 +14806,7 @@
               <a:t>whb</a:t>
             </a:r>
             <a:r>
-              <a:rPr lang="en-US" sz="1600" baseline="-25000" dirty="0">
+              <a:rPr lang="en-US" sz="1600" baseline="-25000">
                 <a:solidFill>
                   <a:srgbClr val="00B050"/>
                 </a:solidFill>
@@ -15150,23 +15229,23 @@
           <a:lstStyle/>
           <a:p>
             <a:r>
-              <a:rPr lang="en-US" sz="2400" dirty="0"/>
+              <a:rPr lang="en-US" sz="2400"/>
               <a:t>Example - S</a:t>
             </a:r>
             <a:r>
-              <a:rPr lang="en-US" sz="1800" dirty="0"/>
+              <a:rPr lang="en-US" sz="1800"/>
               <a:t>X</a:t>
             </a:r>
             <a:r>
-              <a:rPr lang="en-US" sz="2400" dirty="0"/>
+              <a:rPr lang="en-US" sz="2400"/>
               <a:t>1,P</a:t>
             </a:r>
             <a:r>
-              <a:rPr lang="en-US" sz="1800" dirty="0"/>
+              <a:rPr lang="en-US" sz="1800"/>
               <a:t>X</a:t>
             </a:r>
             <a:r>
-              <a:rPr lang="en-US" sz="2400" dirty="0"/>
+              <a:rPr lang="en-US" sz="2400"/>
               <a:t>3</a:t>
             </a:r>
           </a:p>
@@ -15480,59 +15559,59 @@
             </a:lvl9pPr>
           </a:lstStyle>
           <a:p>
-            <a:endParaRPr lang="en-US" sz="1600" dirty="0"/>
+            <a:endParaRPr lang="en-US" sz="1600"/>
           </a:p>
           <a:p>
             <a:pPr marL="0" indent="0">
               <a:buNone/>
             </a:pPr>
-            <a:endParaRPr lang="en-US" sz="1600" dirty="0"/>
+            <a:endParaRPr lang="en-US" sz="1600"/>
           </a:p>
           <a:p>
             <a:pPr marL="0" indent="0">
               <a:buNone/>
             </a:pPr>
-            <a:endParaRPr lang="en-US" sz="1600" dirty="0"/>
+            <a:endParaRPr lang="en-US" sz="1600"/>
           </a:p>
           <a:p>
             <a:pPr marL="0" indent="0">
               <a:buNone/>
             </a:pPr>
-            <a:endParaRPr lang="en-US" sz="1600" dirty="0"/>
+            <a:endParaRPr lang="en-US" sz="1600"/>
           </a:p>
           <a:p>
             <a:pPr marL="0" indent="0">
               <a:buNone/>
             </a:pPr>
-            <a:endParaRPr lang="en-US" sz="1600" dirty="0"/>
+            <a:endParaRPr lang="en-US" sz="1600"/>
           </a:p>
           <a:p>
             <a:pPr marL="0" indent="0">
               <a:buNone/>
             </a:pPr>
-            <a:endParaRPr lang="en-US" sz="1600" dirty="0"/>
+            <a:endParaRPr lang="en-US" sz="1600"/>
           </a:p>
           <a:p>
             <a:pPr marL="0" indent="0">
               <a:buNone/>
             </a:pPr>
-            <a:endParaRPr lang="en-US" sz="1600" dirty="0"/>
+            <a:endParaRPr lang="en-US" sz="1600"/>
           </a:p>
           <a:p>
             <a:pPr marL="0" indent="0">
               <a:buNone/>
             </a:pPr>
-            <a:endParaRPr lang="en-US" sz="1600" dirty="0"/>
+            <a:endParaRPr lang="en-US" sz="1600"/>
           </a:p>
           <a:p>
             <a:pPr marL="0" indent="0">
               <a:buNone/>
             </a:pPr>
-            <a:endParaRPr lang="en-US" sz="1600" dirty="0"/>
-          </a:p>
-          <a:p>
-            <a:r>
-              <a:rPr lang="en-US" sz="1600" dirty="0"/>
+            <a:endParaRPr lang="en-US" sz="1600"/>
+          </a:p>
+          <a:p>
+            <a:r>
+              <a:rPr lang="en-US" sz="1600"/>
               <a:t>Converges to same local solution as central approach</a:t>
             </a:r>
           </a:p>
@@ -16444,6 +16523,25 @@
 </file>
 
 <file path=customXml/item1.xml><?xml version="1.0" encoding="utf-8"?>
+<p:properties xmlns:p="http://schemas.microsoft.com/office/2006/metadata/properties" xmlns:xsi="http://www.w3.org/2001/XMLSchema-instance" xmlns:pc="http://schemas.microsoft.com/office/infopath/2007/PartnerControls">
+  <documentManagement>
+    <SharedWithUsers xmlns="0d6fffe4-d82a-478a-b09f-e816b1b370f6">
+      <UserInfo>
+        <DisplayName>Johannes Jäschke</DisplayName>
+        <AccountId>15</AccountId>
+        <AccountType/>
+      </UserInfo>
+      <UserInfo>
+        <DisplayName>Lorenz Biegler</DisplayName>
+        <AccountId>27</AccountId>
+        <AccountType/>
+      </UserInfo>
+    </SharedWithUsers>
+  </documentManagement>
+</p:properties>
+</file>
+
+<file path=customXml/item2.xml><?xml version="1.0" encoding="utf-8"?>
 <ct:contentTypeSchema xmlns:ct="http://schemas.microsoft.com/office/2006/metadata/contentType" xmlns:ma="http://schemas.microsoft.com/office/2006/metadata/properties/metaAttributes" ct:_="" ma:_="" ma:contentTypeName="Document" ma:contentTypeID="0x01010006EE3FCC4C4A8048BEA2CDF11F47C4C8" ma:contentTypeVersion="11" ma:contentTypeDescription="Create a new document." ma:contentTypeScope="" ma:versionID="2838be5f5a97eedf5bce374fb32a7922">
   <xsd:schema xmlns:xsd="http://www.w3.org/2001/XMLSchema" xmlns:xs="http://www.w3.org/2001/XMLSchema" xmlns:p="http://schemas.microsoft.com/office/2006/metadata/properties" xmlns:ns2="6000e060-03b8-4b5a-b938-e5b3a17c162b" xmlns:ns3="0d6fffe4-d82a-478a-b09f-e816b1b370f6" targetNamespace="http://schemas.microsoft.com/office/2006/metadata/properties" ma:root="true" ma:fieldsID="c227adfb16cd5f7f6fa880a317def214" ns2:_="" ns3:_="">
     <xsd:import namespace="6000e060-03b8-4b5a-b938-e5b3a17c162b"/>
@@ -16654,7 +16752,7 @@
 </ct:contentTypeSchema>
 </file>
 
-<file path=customXml/item2.xml><?xml version="1.0" encoding="utf-8"?>
+<file path=customXml/item3.xml><?xml version="1.0" encoding="utf-8"?>
 <?mso-contentType ?>
 <FormTemplates xmlns="http://schemas.microsoft.com/sharepoint/v3/contenttype/forms">
   <Display>DocumentLibraryForm</Display>
@@ -16663,26 +16761,17 @@
 </FormTemplates>
 </file>
 
-<file path=customXml/item3.xml><?xml version="1.0" encoding="utf-8"?>
-<p:properties xmlns:p="http://schemas.microsoft.com/office/2006/metadata/properties" xmlns:xsi="http://www.w3.org/2001/XMLSchema-instance" xmlns:pc="http://schemas.microsoft.com/office/infopath/2007/PartnerControls">
-  <documentManagement>
-    <SharedWithUsers xmlns="0d6fffe4-d82a-478a-b09f-e816b1b370f6">
-      <UserInfo>
-        <DisplayName>Johannes Jäschke</DisplayName>
-        <AccountId>15</AccountId>
-        <AccountType/>
-      </UserInfo>
-      <UserInfo>
-        <DisplayName>Lorenz Biegler</DisplayName>
-        <AccountId>27</AccountId>
-        <AccountType/>
-      </UserInfo>
-    </SharedWithUsers>
-  </documentManagement>
-</p:properties>
+<file path=customXml/itemProps1.xml><?xml version="1.0" encoding="utf-8"?>
+<ds:datastoreItem xmlns:ds="http://schemas.openxmlformats.org/officeDocument/2006/customXml" ds:itemID="{CC65EBA1-506D-4222-9657-0050D9B8735B}">
+  <ds:schemaRefs>
+    <ds:schemaRef ds:uri="http://schemas.microsoft.com/office/2006/metadata/properties"/>
+    <ds:schemaRef ds:uri="http://schemas.microsoft.com/office/infopath/2007/PartnerControls"/>
+    <ds:schemaRef ds:uri="0d6fffe4-d82a-478a-b09f-e816b1b370f6"/>
+  </ds:schemaRefs>
+</ds:datastoreItem>
 </file>
 
-<file path=customXml/itemProps1.xml><?xml version="1.0" encoding="utf-8"?>
+<file path=customXml/itemProps2.xml><?xml version="1.0" encoding="utf-8"?>
 <ds:datastoreItem xmlns:ds="http://schemas.openxmlformats.org/officeDocument/2006/customXml" ds:itemID="{1494063F-018C-4C15-B956-7E8C8C409DEC}">
   <ds:schemaRefs>
     <ds:schemaRef ds:uri="http://schemas.microsoft.com/office/2006/metadata/contentType"/>
@@ -16701,20 +16790,10 @@
 </ds:datastoreItem>
 </file>
 
-<file path=customXml/itemProps2.xml><?xml version="1.0" encoding="utf-8"?>
+<file path=customXml/itemProps3.xml><?xml version="1.0" encoding="utf-8"?>
 <ds:datastoreItem xmlns:ds="http://schemas.openxmlformats.org/officeDocument/2006/customXml" ds:itemID="{938E7945-E5DA-4D47-88B8-516D67DFC100}">
   <ds:schemaRefs>
     <ds:schemaRef ds:uri="http://schemas.microsoft.com/sharepoint/v3/contenttype/forms"/>
   </ds:schemaRefs>
 </ds:datastoreItem>
-</file>
-
-<file path=customXml/itemProps3.xml><?xml version="1.0" encoding="utf-8"?>
-<ds:datastoreItem xmlns:ds="http://schemas.openxmlformats.org/officeDocument/2006/customXml" ds:itemID="{CC65EBA1-506D-4222-9657-0050D9B8735B}">
-  <ds:schemaRefs>
-    <ds:schemaRef ds:uri="http://schemas.microsoft.com/office/2006/metadata/properties"/>
-    <ds:schemaRef ds:uri="http://schemas.microsoft.com/office/infopath/2007/PartnerControls"/>
-    <ds:schemaRef ds:uri="0d6fffe4-d82a-478a-b09f-e816b1b370f6"/>
-  </ds:schemaRefs>
-</ds:datastoreItem>
 </file>